--- a/ENCP_Project_AED 5/AAA_Medicare.pptx
+++ b/ENCP_Project_AED 5/AAA_Medicare.pptx
@@ -2,19 +2,20 @@
 <file path=ppt/presentation.xml><?xml version="1.0" encoding="utf-8"?>
 <p:presentation xmlns:a="http://schemas.openxmlformats.org/drawingml/2006/main" xmlns:r="http://schemas.openxmlformats.org/officeDocument/2006/relationships" xmlns:p="http://schemas.openxmlformats.org/presentationml/2006/main" saveSubsetFonts="1" autoCompressPictures="0">
   <p:sldMasterIdLst>
-    <p:sldMasterId id="2147483648" r:id="rId1"/>
+    <p:sldMasterId id="2147483648" r:id="rId4"/>
   </p:sldMasterIdLst>
   <p:notesMasterIdLst>
-    <p:notesMasterId r:id="rId9"/>
+    <p:notesMasterId r:id="rId13"/>
   </p:notesMasterIdLst>
   <p:sldIdLst>
-    <p:sldId id="256" r:id="rId2"/>
-    <p:sldId id="258" r:id="rId3"/>
-    <p:sldId id="259" r:id="rId4"/>
-    <p:sldId id="260" r:id="rId5"/>
-    <p:sldId id="261" r:id="rId6"/>
-    <p:sldId id="263" r:id="rId7"/>
-    <p:sldId id="262" r:id="rId8"/>
+    <p:sldId id="256" r:id="rId5"/>
+    <p:sldId id="258" r:id="rId6"/>
+    <p:sldId id="264" r:id="rId7"/>
+    <p:sldId id="259" r:id="rId8"/>
+    <p:sldId id="260" r:id="rId9"/>
+    <p:sldId id="261" r:id="rId10"/>
+    <p:sldId id="265" r:id="rId11"/>
+    <p:sldId id="263" r:id="rId12"/>
   </p:sldIdLst>
   <p:sldSz cx="12192000" cy="6858000"/>
   <p:notesSz cx="6858000" cy="9144000"/>
@@ -113,6 +114,11 @@
       </a:defRPr>
     </a:lvl9pPr>
   </p:defaultTextStyle>
+  <p:extLst>
+    <p:ext uri="{EFAFB233-063F-42B5-8137-9DF3F51BA10A}">
+      <p15:sldGuideLst xmlns:p15="http://schemas.microsoft.com/office/powerpoint/2012/main"/>
+    </p:ext>
+  </p:extLst>
 </p:presentation>
 </file>
 
@@ -198,7 +204,7 @@
           <a:p>
             <a:fld id="{C7AE4FBB-5EEB-4D4C-8A40-356585D2A44C}" type="datetimeFigureOut">
               <a:rPr lang="en-US" smtClean="0"/>
-              <a:t>4/21/20</a:t>
+              <a:t>4/24/20</a:t>
             </a:fld>
             <a:endParaRPr lang="en-US"/>
           </a:p>
@@ -597,7 +603,7 @@
           <a:p>
             <a:fld id="{7B0CFF77-10D2-E944-AE41-B688F8C518CC}" type="datetimeFigureOut">
               <a:rPr lang="en-US" smtClean="0"/>
-              <a:t>4/21/20</a:t>
+              <a:t>4/24/20</a:t>
             </a:fld>
             <a:endParaRPr lang="en-US"/>
           </a:p>
@@ -767,7 +773,7 @@
           <a:p>
             <a:fld id="{7B0CFF77-10D2-E944-AE41-B688F8C518CC}" type="datetimeFigureOut">
               <a:rPr lang="en-US" smtClean="0"/>
-              <a:t>4/21/20</a:t>
+              <a:t>4/24/20</a:t>
             </a:fld>
             <a:endParaRPr lang="en-US"/>
           </a:p>
@@ -947,7 +953,7 @@
           <a:p>
             <a:fld id="{7B0CFF77-10D2-E944-AE41-B688F8C518CC}" type="datetimeFigureOut">
               <a:rPr lang="en-US" smtClean="0"/>
-              <a:t>4/21/20</a:t>
+              <a:t>4/24/20</a:t>
             </a:fld>
             <a:endParaRPr lang="en-US"/>
           </a:p>
@@ -1117,7 +1123,7 @@
           <a:p>
             <a:fld id="{7B0CFF77-10D2-E944-AE41-B688F8C518CC}" type="datetimeFigureOut">
               <a:rPr lang="en-US" smtClean="0"/>
-              <a:t>4/21/20</a:t>
+              <a:t>4/24/20</a:t>
             </a:fld>
             <a:endParaRPr lang="en-US"/>
           </a:p>
@@ -1363,7 +1369,7 @@
           <a:p>
             <a:fld id="{7B0CFF77-10D2-E944-AE41-B688F8C518CC}" type="datetimeFigureOut">
               <a:rPr lang="en-US" smtClean="0"/>
-              <a:t>4/21/20</a:t>
+              <a:t>4/24/20</a:t>
             </a:fld>
             <a:endParaRPr lang="en-US"/>
           </a:p>
@@ -1595,7 +1601,7 @@
           <a:p>
             <a:fld id="{7B0CFF77-10D2-E944-AE41-B688F8C518CC}" type="datetimeFigureOut">
               <a:rPr lang="en-US" smtClean="0"/>
-              <a:t>4/21/20</a:t>
+              <a:t>4/24/20</a:t>
             </a:fld>
             <a:endParaRPr lang="en-US"/>
           </a:p>
@@ -1962,7 +1968,7 @@
           <a:p>
             <a:fld id="{7B0CFF77-10D2-E944-AE41-B688F8C518CC}" type="datetimeFigureOut">
               <a:rPr lang="en-US" smtClean="0"/>
-              <a:t>4/21/20</a:t>
+              <a:t>4/24/20</a:t>
             </a:fld>
             <a:endParaRPr lang="en-US"/>
           </a:p>
@@ -2080,7 +2086,7 @@
           <a:p>
             <a:fld id="{7B0CFF77-10D2-E944-AE41-B688F8C518CC}" type="datetimeFigureOut">
               <a:rPr lang="en-US" smtClean="0"/>
-              <a:t>4/21/20</a:t>
+              <a:t>4/24/20</a:t>
             </a:fld>
             <a:endParaRPr lang="en-US"/>
           </a:p>
@@ -2175,7 +2181,7 @@
           <a:p>
             <a:fld id="{7B0CFF77-10D2-E944-AE41-B688F8C518CC}" type="datetimeFigureOut">
               <a:rPr lang="en-US" smtClean="0"/>
-              <a:t>4/21/20</a:t>
+              <a:t>4/24/20</a:t>
             </a:fld>
             <a:endParaRPr lang="en-US"/>
           </a:p>
@@ -2452,7 +2458,7 @@
           <a:p>
             <a:fld id="{7B0CFF77-10D2-E944-AE41-B688F8C518CC}" type="datetimeFigureOut">
               <a:rPr lang="en-US" smtClean="0"/>
-              <a:t>4/21/20</a:t>
+              <a:t>4/24/20</a:t>
             </a:fld>
             <a:endParaRPr lang="en-US"/>
           </a:p>
@@ -2705,7 +2711,7 @@
           <a:p>
             <a:fld id="{7B0CFF77-10D2-E944-AE41-B688F8C518CC}" type="datetimeFigureOut">
               <a:rPr lang="en-US" smtClean="0"/>
-              <a:t>4/21/20</a:t>
+              <a:t>4/24/20</a:t>
             </a:fld>
             <a:endParaRPr lang="en-US"/>
           </a:p>
@@ -2918,7 +2924,7 @@
           <a:p>
             <a:fld id="{7B0CFF77-10D2-E944-AE41-B688F8C518CC}" type="datetimeFigureOut">
               <a:rPr lang="en-US" smtClean="0"/>
-              <a:t>4/21/20</a:t>
+              <a:t>4/24/20</a:t>
             </a:fld>
             <a:endParaRPr lang="en-US"/>
           </a:p>
@@ -3336,10 +3342,10 @@
           <p:cNvPr id="10" name="Rectangle 9">
             <a:extLst>
               <a:ext uri="{FF2B5EF4-FFF2-40B4-BE49-F238E27FC236}">
-                <a16:creationId xmlns:a16="http://schemas.microsoft.com/office/drawing/2014/main" xmlns="" id="{7905BA41-EE6E-4F80-8636-447F22DD729A}"/>
+                <a16:creationId xmlns="" xmlns:a16="http://schemas.microsoft.com/office/drawing/2014/main" id="{7905BA41-EE6E-4F80-8636-447F22DD729A}"/>
               </a:ext>
               <a:ext uri="{C183D7F6-B498-43B3-948B-1728B52AA6E4}">
-                <adec:decorative xmlns:adec="http://schemas.microsoft.com/office/drawing/2017/decorative" xmlns="" val="1"/>
+                <adec:decorative xmlns="" xmlns:adec="http://schemas.microsoft.com/office/drawing/2017/decorative" val="1"/>
               </a:ext>
             </a:extLst>
           </p:cNvPr>
@@ -3494,10 +3500,10 @@
           <p:cNvPr id="12" name="Oval 11">
             <a:extLst>
               <a:ext uri="{FF2B5EF4-FFF2-40B4-BE49-F238E27FC236}">
-                <a16:creationId xmlns:a16="http://schemas.microsoft.com/office/drawing/2014/main" xmlns="" id="{CD7549B2-EE05-4558-8C64-AC46755F2B25}"/>
+                <a16:creationId xmlns="" xmlns:a16="http://schemas.microsoft.com/office/drawing/2014/main" id="{CD7549B2-EE05-4558-8C64-AC46755F2B25}"/>
               </a:ext>
               <a:ext uri="{C183D7F6-B498-43B3-948B-1728B52AA6E4}">
-                <adec:decorative xmlns:adec="http://schemas.microsoft.com/office/drawing/2017/decorative" xmlns="" val="1"/>
+                <adec:decorative xmlns="" xmlns:adec="http://schemas.microsoft.com/office/drawing/2017/decorative" val="1"/>
               </a:ext>
             </a:extLst>
           </p:cNvPr>
@@ -3588,7 +3594,7 @@
           <p:cNvPr id="7" name="Graphic 6" descr="Hospital First Aid">
             <a:extLst>
               <a:ext uri="{FF2B5EF4-FFF2-40B4-BE49-F238E27FC236}">
-                <a16:creationId xmlns:a16="http://schemas.microsoft.com/office/drawing/2014/main" xmlns="" id="{E9398A55-4F3C-42F0-A4BB-85B40403F127}"/>
+                <a16:creationId xmlns="" xmlns:a16="http://schemas.microsoft.com/office/drawing/2014/main" id="{E9398A55-4F3C-42F0-A4BB-85B40403F127}"/>
               </a:ext>
             </a:extLst>
           </p:cNvPr>
@@ -3604,7 +3610,7 @@
                 <a14:useLocalDpi xmlns:a14="http://schemas.microsoft.com/office/drawing/2010/main" val="0"/>
               </a:ext>
               <a:ext uri="{96DAC541-7B7A-43D3-8B79-37D633B846F1}">
-                <asvg:svgBlip xmlns:asvg="http://schemas.microsoft.com/office/drawing/2016/SVG/main" xmlns="" r:embed="rId3"/>
+                <asvg:svgBlip xmlns="" xmlns:asvg="http://schemas.microsoft.com/office/drawing/2016/SVG/main" r:embed="rId3"/>
               </a:ext>
             </a:extLst>
           </a:blip>
@@ -3665,10 +3671,10 @@
           <p:cNvPr id="17" name="Rectangle 16">
             <a:extLst>
               <a:ext uri="{FF2B5EF4-FFF2-40B4-BE49-F238E27FC236}">
-                <a16:creationId xmlns:a16="http://schemas.microsoft.com/office/drawing/2014/main" xmlns="" id="{35555856-9970-4BC3-9AA9-6A917F53AFBD}"/>
+                <a16:creationId xmlns="" xmlns:a16="http://schemas.microsoft.com/office/drawing/2014/main" id="{35555856-9970-4BC3-9AA9-6A917F53AFBD}"/>
               </a:ext>
               <a:ext uri="{C183D7F6-B498-43B3-948B-1728B52AA6E4}">
-                <adec:decorative xmlns:adec="http://schemas.microsoft.com/office/drawing/2017/decorative" xmlns="" val="1"/>
+                <adec:decorative xmlns="" xmlns:adec="http://schemas.microsoft.com/office/drawing/2017/decorative" val="1"/>
               </a:ext>
             </a:extLst>
           </p:cNvPr>
@@ -3751,10 +3757,10 @@
           <p:cNvPr id="19" name="Picture 18">
             <a:extLst>
               <a:ext uri="{FF2B5EF4-FFF2-40B4-BE49-F238E27FC236}">
-                <a16:creationId xmlns:a16="http://schemas.microsoft.com/office/drawing/2014/main" xmlns="" id="{7F487851-BFAF-46D8-A1ED-50CAD6E46F59}"/>
+                <a16:creationId xmlns="" xmlns:a16="http://schemas.microsoft.com/office/drawing/2014/main" id="{7F487851-BFAF-46D8-A1ED-50CAD6E46F59}"/>
               </a:ext>
               <a:ext uri="{C183D7F6-B498-43B3-948B-1728B52AA6E4}">
-                <adec:decorative xmlns:adec="http://schemas.microsoft.com/office/drawing/2017/decorative" xmlns="" val="1"/>
+                <adec:decorative xmlns="" xmlns:adec="http://schemas.microsoft.com/office/drawing/2017/decorative" val="1"/>
               </a:ext>
             </a:extLst>
           </p:cNvPr>
@@ -3859,23 +3865,7 @@
                   <a:srgbClr val="000000"/>
                 </a:solidFill>
               </a:rPr>
-              <a:t>To ensure Integration between Hospital and Insurance </a:t>
-            </a:r>
-            <a:r>
-              <a:rPr lang="en-US" sz="1800" dirty="0" smtClean="0">
-                <a:solidFill>
-                  <a:srgbClr val="000000"/>
-                </a:solidFill>
-              </a:rPr>
-              <a:t>e</a:t>
-            </a:r>
-            <a:r>
-              <a:rPr lang="en-US" sz="1800" dirty="0" smtClean="0">
-                <a:solidFill>
-                  <a:srgbClr val="000000"/>
-                </a:solidFill>
-              </a:rPr>
-              <a:t>nterprises across the network to simplify consultations and test procedures</a:t>
+              <a:t>Tedious insurance approvals and claims process for patients availing medical consultations</a:t>
             </a:r>
             <a:endParaRPr lang="en-US" sz="1800" dirty="0">
               <a:solidFill>
@@ -3890,10 +3880,10 @@
           <p:cNvPr id="21" name="Freeform 50">
             <a:extLst>
               <a:ext uri="{FF2B5EF4-FFF2-40B4-BE49-F238E27FC236}">
-                <a16:creationId xmlns:a16="http://schemas.microsoft.com/office/drawing/2014/main" xmlns="" id="{13722DD7-BA73-4776-93A3-94491FEF7260}"/>
+                <a16:creationId xmlns="" xmlns:a16="http://schemas.microsoft.com/office/drawing/2014/main" id="{13722DD7-BA73-4776-93A3-94491FEF7260}"/>
               </a:ext>
               <a:ext uri="{C183D7F6-B498-43B3-948B-1728B52AA6E4}">
-                <adec:decorative xmlns:adec="http://schemas.microsoft.com/office/drawing/2017/decorative" xmlns="" val="1"/>
+                <adec:decorative xmlns="" xmlns:adec="http://schemas.microsoft.com/office/drawing/2017/decorative" val="1"/>
               </a:ext>
             </a:extLst>
           </p:cNvPr>
@@ -4088,7 +4078,7 @@
           <p:cNvPr id="7" name="Graphic 6" descr="Hospital First Aid">
             <a:extLst>
               <a:ext uri="{FF2B5EF4-FFF2-40B4-BE49-F238E27FC236}">
-                <a16:creationId xmlns:a16="http://schemas.microsoft.com/office/drawing/2014/main" xmlns="" id="{E9398A55-4F3C-42F0-A4BB-85B40403F127}"/>
+                <a16:creationId xmlns="" xmlns:a16="http://schemas.microsoft.com/office/drawing/2014/main" id="{E9398A55-4F3C-42F0-A4BB-85B40403F127}"/>
               </a:ext>
             </a:extLst>
           </p:cNvPr>
@@ -4104,7 +4094,7 @@
                 <a14:useLocalDpi xmlns:a14="http://schemas.microsoft.com/office/drawing/2010/main" val="0"/>
               </a:ext>
               <a:ext uri="{96DAC541-7B7A-43D3-8B79-37D633B846F1}">
-                <asvg:svgBlip xmlns:asvg="http://schemas.microsoft.com/office/drawing/2016/SVG/main" xmlns="" r:embed="rId4"/>
+                <asvg:svgBlip xmlns="" xmlns:asvg="http://schemas.microsoft.com/office/drawing/2016/SVG/main" r:embed="rId4"/>
               </a:ext>
             </a:extLst>
           </a:blip>
@@ -4165,10 +4155,10 @@
           <p:cNvPr id="17" name="Rectangle 16">
             <a:extLst>
               <a:ext uri="{FF2B5EF4-FFF2-40B4-BE49-F238E27FC236}">
-                <a16:creationId xmlns:a16="http://schemas.microsoft.com/office/drawing/2014/main" xmlns="" id="{35555856-9970-4BC3-9AA9-6A917F53AFBD}"/>
+                <a16:creationId xmlns="" xmlns:a16="http://schemas.microsoft.com/office/drawing/2014/main" id="{35555856-9970-4BC3-9AA9-6A917F53AFBD}"/>
               </a:ext>
               <a:ext uri="{C183D7F6-B498-43B3-948B-1728B52AA6E4}">
-                <adec:decorative xmlns:adec="http://schemas.microsoft.com/office/drawing/2017/decorative" xmlns="" val="1"/>
+                <adec:decorative xmlns="" xmlns:adec="http://schemas.microsoft.com/office/drawing/2017/decorative" val="1"/>
               </a:ext>
             </a:extLst>
           </p:cNvPr>
@@ -4251,10 +4241,10 @@
           <p:cNvPr id="19" name="Picture 18">
             <a:extLst>
               <a:ext uri="{FF2B5EF4-FFF2-40B4-BE49-F238E27FC236}">
-                <a16:creationId xmlns:a16="http://schemas.microsoft.com/office/drawing/2014/main" xmlns="" id="{7F487851-BFAF-46D8-A1ED-50CAD6E46F59}"/>
+                <a16:creationId xmlns="" xmlns:a16="http://schemas.microsoft.com/office/drawing/2014/main" id="{7F487851-BFAF-46D8-A1ED-50CAD6E46F59}"/>
               </a:ext>
               <a:ext uri="{C183D7F6-B498-43B3-948B-1728B52AA6E4}">
-                <adec:decorative xmlns:adec="http://schemas.microsoft.com/office/drawing/2017/decorative" xmlns="" val="1"/>
+                <adec:decorative xmlns="" xmlns:adec="http://schemas.microsoft.com/office/drawing/2017/decorative" val="1"/>
               </a:ext>
             </a:extLst>
           </p:cNvPr>
@@ -4320,7 +4310,7 @@
                   <a:srgbClr val="000000"/>
                 </a:solidFill>
               </a:rPr>
-              <a:t>Workflow</a:t>
+              <a:t>Solution</a:t>
             </a:r>
             <a:endParaRPr lang="en-US" sz="4400" dirty="0">
               <a:solidFill>
@@ -4342,8 +4332,8 @@
         </p:nvSpPr>
         <p:spPr>
           <a:xfrm>
-            <a:off x="804788" y="2043113"/>
-            <a:ext cx="4805691" cy="2224717"/>
+            <a:off x="619257" y="1972833"/>
+            <a:ext cx="4805691" cy="2294367"/>
           </a:xfrm>
         </p:spPr>
         <p:txBody>
@@ -4352,7 +4342,62 @@
           </a:bodyPr>
           <a:lstStyle/>
           <a:p>
-            <a:pPr algn="l"/>
+            <a:pPr marL="285750" indent="-285750" algn="l">
+              <a:buFont typeface="Arial" charset="0"/>
+              <a:buChar char="•"/>
+            </a:pPr>
+            <a:r>
+              <a:rPr lang="en-US" sz="1800" dirty="0" smtClean="0">
+                <a:solidFill>
+                  <a:srgbClr val="000000"/>
+                </a:solidFill>
+              </a:rPr>
+              <a:t>To ensure Integration between Hospital and Insurance enterprises across the network to simplify consultations and test </a:t>
+            </a:r>
+            <a:r>
+              <a:rPr lang="en-US" sz="1800" dirty="0" smtClean="0">
+                <a:solidFill>
+                  <a:srgbClr val="000000"/>
+                </a:solidFill>
+              </a:rPr>
+              <a:t>procedures.</a:t>
+            </a:r>
+          </a:p>
+          <a:p>
+            <a:pPr marL="285750" indent="-285750" algn="l">
+              <a:buFont typeface="Arial" charset="0"/>
+              <a:buChar char="•"/>
+            </a:pPr>
+            <a:r>
+              <a:rPr lang="en-US" sz="1800" dirty="0">
+                <a:solidFill>
+                  <a:srgbClr val="000000"/>
+                </a:solidFill>
+              </a:rPr>
+              <a:t>S</a:t>
+            </a:r>
+            <a:r>
+              <a:rPr lang="en-US" sz="1800" dirty="0" smtClean="0">
+                <a:solidFill>
+                  <a:srgbClr val="000000"/>
+                </a:solidFill>
+              </a:rPr>
+              <a:t>treamline Insurance payments across networks</a:t>
+            </a:r>
+          </a:p>
+          <a:p>
+            <a:pPr marL="285750" indent="-285750" algn="l">
+              <a:buFont typeface="Arial" charset="0"/>
+              <a:buChar char="•"/>
+            </a:pPr>
+            <a:r>
+              <a:rPr lang="en-US" sz="1800" dirty="0" smtClean="0">
+                <a:solidFill>
+                  <a:srgbClr val="000000"/>
+                </a:solidFill>
+              </a:rPr>
+              <a:t>Patients can avail medical services at any network of their choice without hassle</a:t>
+            </a:r>
             <a:endParaRPr lang="en-US" sz="1800" dirty="0">
               <a:solidFill>
                 <a:srgbClr val="000000"/>
@@ -4366,10 +4411,10 @@
           <p:cNvPr id="21" name="Freeform 50">
             <a:extLst>
               <a:ext uri="{FF2B5EF4-FFF2-40B4-BE49-F238E27FC236}">
-                <a16:creationId xmlns:a16="http://schemas.microsoft.com/office/drawing/2014/main" xmlns="" id="{13722DD7-BA73-4776-93A3-94491FEF7260}"/>
+                <a16:creationId xmlns="" xmlns:a16="http://schemas.microsoft.com/office/drawing/2014/main" id="{13722DD7-BA73-4776-93A3-94491FEF7260}"/>
               </a:ext>
               <a:ext uri="{C183D7F6-B498-43B3-948B-1728B52AA6E4}">
-                <adec:decorative xmlns:adec="http://schemas.microsoft.com/office/drawing/2017/decorative" xmlns="" val="1"/>
+                <adec:decorative xmlns="" xmlns:adec="http://schemas.microsoft.com/office/drawing/2017/decorative" val="1"/>
               </a:ext>
             </a:extLst>
           </p:cNvPr>
@@ -4564,7 +4609,7 @@
           <p:cNvPr id="7" name="Graphic 6" descr="Hospital First Aid">
             <a:extLst>
               <a:ext uri="{FF2B5EF4-FFF2-40B4-BE49-F238E27FC236}">
-                <a16:creationId xmlns:a16="http://schemas.microsoft.com/office/drawing/2014/main" xmlns="" id="{E9398A55-4F3C-42F0-A4BB-85B40403F127}"/>
+                <a16:creationId xmlns="" xmlns:a16="http://schemas.microsoft.com/office/drawing/2014/main" id="{E9398A55-4F3C-42F0-A4BB-85B40403F127}"/>
               </a:ext>
             </a:extLst>
           </p:cNvPr>
@@ -4580,7 +4625,7 @@
                 <a14:useLocalDpi xmlns:a14="http://schemas.microsoft.com/office/drawing/2010/main" val="0"/>
               </a:ext>
               <a:ext uri="{96DAC541-7B7A-43D3-8B79-37D633B846F1}">
-                <asvg:svgBlip xmlns:asvg="http://schemas.microsoft.com/office/drawing/2016/SVG/main" xmlns="" r:embed="rId4"/>
+                <asvg:svgBlip xmlns="" xmlns:asvg="http://schemas.microsoft.com/office/drawing/2016/SVG/main" r:embed="rId4"/>
               </a:ext>
             </a:extLst>
           </a:blip>
@@ -4590,38 +4635,8 @@
         </p:blipFill>
         <p:spPr>
           <a:xfrm>
-            <a:off x="9743782" y="356100"/>
-            <a:ext cx="1600017" cy="1600017"/>
-          </a:xfrm>
-          <a:prstGeom prst="rect">
-            <a:avLst/>
-          </a:prstGeom>
-        </p:spPr>
-      </p:pic>
-      <p:pic>
-        <p:nvPicPr>
-          <p:cNvPr id="5" name="Picture 4"/>
-          <p:cNvPicPr>
-            <a:picLocks noChangeAspect="1"/>
-          </p:cNvPicPr>
-          <p:nvPr/>
-        </p:nvPicPr>
-        <p:blipFill>
-          <a:blip r:embed="rId5">
-            <a:extLst>
-              <a:ext uri="{28A0092B-C50C-407E-A947-70E740481C1C}">
-                <a14:useLocalDpi xmlns:a14="http://schemas.microsoft.com/office/drawing/2010/main" val="0"/>
-              </a:ext>
-            </a:extLst>
-          </a:blip>
-          <a:stretch>
-            <a:fillRect/>
-          </a:stretch>
-        </p:blipFill>
-        <p:spPr>
-          <a:xfrm>
-            <a:off x="187300" y="1875778"/>
-            <a:ext cx="11631869" cy="3922014"/>
+            <a:off x="8452720" y="1615295"/>
+            <a:ext cx="3048718" cy="3048718"/>
           </a:xfrm>
           <a:prstGeom prst="rect">
             <a:avLst/>
@@ -4631,7 +4646,7 @@
     </p:spTree>
     <p:extLst>
       <p:ext uri="{BB962C8B-B14F-4D97-AF65-F5344CB8AC3E}">
-        <p14:creationId xmlns:p14="http://schemas.microsoft.com/office/powerpoint/2010/main" val="1887528383"/>
+        <p14:creationId xmlns:p14="http://schemas.microsoft.com/office/powerpoint/2010/main" val="861550350"/>
       </p:ext>
     </p:extLst>
   </p:cSld>
@@ -4671,10 +4686,10 @@
           <p:cNvPr id="17" name="Rectangle 16">
             <a:extLst>
               <a:ext uri="{FF2B5EF4-FFF2-40B4-BE49-F238E27FC236}">
-                <a16:creationId xmlns:a16="http://schemas.microsoft.com/office/drawing/2014/main" xmlns="" id="{35555856-9970-4BC3-9AA9-6A917F53AFBD}"/>
+                <a16:creationId xmlns="" xmlns:a16="http://schemas.microsoft.com/office/drawing/2014/main" id="{35555856-9970-4BC3-9AA9-6A917F53AFBD}"/>
               </a:ext>
               <a:ext uri="{C183D7F6-B498-43B3-948B-1728B52AA6E4}">
-                <adec:decorative xmlns:adec="http://schemas.microsoft.com/office/drawing/2017/decorative" xmlns="" val="1"/>
+                <adec:decorative xmlns="" xmlns:adec="http://schemas.microsoft.com/office/drawing/2017/decorative" val="1"/>
               </a:ext>
             </a:extLst>
           </p:cNvPr>
@@ -4757,10 +4772,10 @@
           <p:cNvPr id="19" name="Picture 18">
             <a:extLst>
               <a:ext uri="{FF2B5EF4-FFF2-40B4-BE49-F238E27FC236}">
-                <a16:creationId xmlns:a16="http://schemas.microsoft.com/office/drawing/2014/main" xmlns="" id="{7F487851-BFAF-46D8-A1ED-50CAD6E46F59}"/>
+                <a16:creationId xmlns="" xmlns:a16="http://schemas.microsoft.com/office/drawing/2014/main" id="{7F487851-BFAF-46D8-A1ED-50CAD6E46F59}"/>
               </a:ext>
               <a:ext uri="{C183D7F6-B498-43B3-948B-1728B52AA6E4}">
-                <adec:decorative xmlns:adec="http://schemas.microsoft.com/office/drawing/2017/decorative" xmlns="" val="1"/>
+                <adec:decorative xmlns="" xmlns:adec="http://schemas.microsoft.com/office/drawing/2017/decorative" val="1"/>
               </a:ext>
             </a:extLst>
           </p:cNvPr>
@@ -4809,13 +4824,13 @@
         </p:nvSpPr>
         <p:spPr>
           <a:xfrm>
-            <a:off x="218670" y="2180447"/>
-            <a:ext cx="3528978" cy="719996"/>
+            <a:off x="514312" y="1065943"/>
+            <a:ext cx="4805996" cy="719996"/>
           </a:xfrm>
         </p:spPr>
         <p:txBody>
           <a:bodyPr anchor="t">
-            <a:normAutofit fontScale="90000"/>
+            <a:normAutofit/>
           </a:bodyPr>
           <a:lstStyle/>
           <a:p>
@@ -4826,7 +4841,7 @@
                   <a:srgbClr val="000000"/>
                 </a:solidFill>
               </a:rPr>
-              <a:t>Model Diagram</a:t>
+              <a:t>Workflow</a:t>
             </a:r>
             <a:endParaRPr lang="en-US" sz="4400" dirty="0">
               <a:solidFill>
@@ -4838,13 +4853,44 @@
       </p:sp>
       <p:sp>
         <p:nvSpPr>
+          <p:cNvPr id="3" name="Subtitle 2"/>
+          <p:cNvSpPr>
+            <a:spLocks noGrp="1"/>
+          </p:cNvSpPr>
+          <p:nvPr>
+            <p:ph type="subTitle" idx="1"/>
+          </p:nvPr>
+        </p:nvSpPr>
+        <p:spPr>
+          <a:xfrm>
+            <a:off x="804788" y="2043113"/>
+            <a:ext cx="4805691" cy="2224717"/>
+          </a:xfrm>
+        </p:spPr>
+        <p:txBody>
+          <a:bodyPr anchor="b">
+            <a:normAutofit/>
+          </a:bodyPr>
+          <a:lstStyle/>
+          <a:p>
+            <a:pPr algn="l"/>
+            <a:endParaRPr lang="en-US" sz="1800" dirty="0">
+              <a:solidFill>
+                <a:srgbClr val="000000"/>
+              </a:solidFill>
+            </a:endParaRPr>
+          </a:p>
+        </p:txBody>
+      </p:sp>
+      <p:sp>
+        <p:nvSpPr>
           <p:cNvPr id="21" name="Freeform 50">
             <a:extLst>
               <a:ext uri="{FF2B5EF4-FFF2-40B4-BE49-F238E27FC236}">
-                <a16:creationId xmlns:a16="http://schemas.microsoft.com/office/drawing/2014/main" xmlns="" id="{13722DD7-BA73-4776-93A3-94491FEF7260}"/>
+                <a16:creationId xmlns="" xmlns:a16="http://schemas.microsoft.com/office/drawing/2014/main" id="{13722DD7-BA73-4776-93A3-94491FEF7260}"/>
               </a:ext>
               <a:ext uri="{C183D7F6-B498-43B3-948B-1728B52AA6E4}">
-                <adec:decorative xmlns:adec="http://schemas.microsoft.com/office/drawing/2017/decorative" xmlns="" val="1"/>
+                <adec:decorative xmlns="" xmlns:adec="http://schemas.microsoft.com/office/drawing/2017/decorative" val="1"/>
               </a:ext>
             </a:extLst>
           </p:cNvPr>
@@ -5039,7 +5085,7 @@
           <p:cNvPr id="7" name="Graphic 6" descr="Hospital First Aid">
             <a:extLst>
               <a:ext uri="{FF2B5EF4-FFF2-40B4-BE49-F238E27FC236}">
-                <a16:creationId xmlns:a16="http://schemas.microsoft.com/office/drawing/2014/main" xmlns="" id="{E9398A55-4F3C-42F0-A4BB-85B40403F127}"/>
+                <a16:creationId xmlns="" xmlns:a16="http://schemas.microsoft.com/office/drawing/2014/main" id="{E9398A55-4F3C-42F0-A4BB-85B40403F127}"/>
               </a:ext>
             </a:extLst>
           </p:cNvPr>
@@ -5055,7 +5101,7 @@
                 <a14:useLocalDpi xmlns:a14="http://schemas.microsoft.com/office/drawing/2010/main" val="0"/>
               </a:ext>
               <a:ext uri="{96DAC541-7B7A-43D3-8B79-37D633B846F1}">
-                <asvg:svgBlip xmlns:asvg="http://schemas.microsoft.com/office/drawing/2016/SVG/main" xmlns="" r:embed="rId4"/>
+                <asvg:svgBlip xmlns="" xmlns:asvg="http://schemas.microsoft.com/office/drawing/2016/SVG/main" r:embed="rId4"/>
               </a:ext>
             </a:extLst>
           </a:blip>
@@ -5065,8 +5111,8 @@
         </p:blipFill>
         <p:spPr>
           <a:xfrm>
-            <a:off x="9889556" y="1361311"/>
-            <a:ext cx="2358268" cy="2358268"/>
+            <a:off x="9743782" y="356100"/>
+            <a:ext cx="1600017" cy="1600017"/>
           </a:xfrm>
           <a:prstGeom prst="rect">
             <a:avLst/>
@@ -5095,8 +5141,8 @@
         </p:blipFill>
         <p:spPr>
           <a:xfrm>
-            <a:off x="3747955" y="1021557"/>
-            <a:ext cx="5846684" cy="5416417"/>
+            <a:off x="187300" y="1875778"/>
+            <a:ext cx="11631869" cy="3922014"/>
           </a:xfrm>
           <a:prstGeom prst="rect">
             <a:avLst/>
@@ -5106,7 +5152,7 @@
     </p:spTree>
     <p:extLst>
       <p:ext uri="{BB962C8B-B14F-4D97-AF65-F5344CB8AC3E}">
-        <p14:creationId xmlns:p14="http://schemas.microsoft.com/office/powerpoint/2010/main" val="509681963"/>
+        <p14:creationId xmlns:p14="http://schemas.microsoft.com/office/powerpoint/2010/main" val="1887528383"/>
       </p:ext>
     </p:extLst>
   </p:cSld>
@@ -5146,10 +5192,10 @@
           <p:cNvPr id="17" name="Rectangle 16">
             <a:extLst>
               <a:ext uri="{FF2B5EF4-FFF2-40B4-BE49-F238E27FC236}">
-                <a16:creationId xmlns:a16="http://schemas.microsoft.com/office/drawing/2014/main" xmlns="" id="{35555856-9970-4BC3-9AA9-6A917F53AFBD}"/>
+                <a16:creationId xmlns="" xmlns:a16="http://schemas.microsoft.com/office/drawing/2014/main" id="{35555856-9970-4BC3-9AA9-6A917F53AFBD}"/>
               </a:ext>
               <a:ext uri="{C183D7F6-B498-43B3-948B-1728B52AA6E4}">
-                <adec:decorative xmlns:adec="http://schemas.microsoft.com/office/drawing/2017/decorative" xmlns="" val="1"/>
+                <adec:decorative xmlns="" xmlns:adec="http://schemas.microsoft.com/office/drawing/2017/decorative" val="1"/>
               </a:ext>
             </a:extLst>
           </p:cNvPr>
@@ -5232,10 +5278,10 @@
           <p:cNvPr id="19" name="Picture 18">
             <a:extLst>
               <a:ext uri="{FF2B5EF4-FFF2-40B4-BE49-F238E27FC236}">
-                <a16:creationId xmlns:a16="http://schemas.microsoft.com/office/drawing/2014/main" xmlns="" id="{7F487851-BFAF-46D8-A1ED-50CAD6E46F59}"/>
+                <a16:creationId xmlns="" xmlns:a16="http://schemas.microsoft.com/office/drawing/2014/main" id="{7F487851-BFAF-46D8-A1ED-50CAD6E46F59}"/>
               </a:ext>
               <a:ext uri="{C183D7F6-B498-43B3-948B-1728B52AA6E4}">
-                <adec:decorative xmlns:adec="http://schemas.microsoft.com/office/drawing/2017/decorative" xmlns="" val="1"/>
+                <adec:decorative xmlns="" xmlns:adec="http://schemas.microsoft.com/office/drawing/2017/decorative" val="1"/>
               </a:ext>
             </a:extLst>
           </p:cNvPr>
@@ -5284,13 +5330,13 @@
         </p:nvSpPr>
         <p:spPr>
           <a:xfrm>
-            <a:off x="236017" y="2459772"/>
-            <a:ext cx="4805996" cy="719996"/>
+            <a:off x="218670" y="2180447"/>
+            <a:ext cx="3528978" cy="719996"/>
           </a:xfrm>
         </p:spPr>
         <p:txBody>
           <a:bodyPr anchor="t">
-            <a:normAutofit/>
+            <a:normAutofit fontScale="90000"/>
           </a:bodyPr>
           <a:lstStyle/>
           <a:p>
@@ -5301,7 +5347,7 @@
                   <a:srgbClr val="000000"/>
                 </a:solidFill>
               </a:rPr>
-              <a:t>Class diagram</a:t>
+              <a:t>Model Diagram</a:t>
             </a:r>
             <a:endParaRPr lang="en-US" sz="4400" dirty="0">
               <a:solidFill>
@@ -5316,10 +5362,10 @@
           <p:cNvPr id="21" name="Freeform 50">
             <a:extLst>
               <a:ext uri="{FF2B5EF4-FFF2-40B4-BE49-F238E27FC236}">
-                <a16:creationId xmlns:a16="http://schemas.microsoft.com/office/drawing/2014/main" xmlns="" id="{13722DD7-BA73-4776-93A3-94491FEF7260}"/>
+                <a16:creationId xmlns="" xmlns:a16="http://schemas.microsoft.com/office/drawing/2014/main" id="{13722DD7-BA73-4776-93A3-94491FEF7260}"/>
               </a:ext>
               <a:ext uri="{C183D7F6-B498-43B3-948B-1728B52AA6E4}">
-                <adec:decorative xmlns:adec="http://schemas.microsoft.com/office/drawing/2017/decorative" xmlns="" val="1"/>
+                <adec:decorative xmlns="" xmlns:adec="http://schemas.microsoft.com/office/drawing/2017/decorative" val="1"/>
               </a:ext>
             </a:extLst>
           </p:cNvPr>
@@ -5514,7 +5560,7 @@
           <p:cNvPr id="7" name="Graphic 6" descr="Hospital First Aid">
             <a:extLst>
               <a:ext uri="{FF2B5EF4-FFF2-40B4-BE49-F238E27FC236}">
-                <a16:creationId xmlns:a16="http://schemas.microsoft.com/office/drawing/2014/main" xmlns="" id="{E9398A55-4F3C-42F0-A4BB-85B40403F127}"/>
+                <a16:creationId xmlns="" xmlns:a16="http://schemas.microsoft.com/office/drawing/2014/main" id="{E9398A55-4F3C-42F0-A4BB-85B40403F127}"/>
               </a:ext>
             </a:extLst>
           </p:cNvPr>
@@ -5530,7 +5576,7 @@
                 <a14:useLocalDpi xmlns:a14="http://schemas.microsoft.com/office/drawing/2010/main" val="0"/>
               </a:ext>
               <a:ext uri="{96DAC541-7B7A-43D3-8B79-37D633B846F1}">
-                <asvg:svgBlip xmlns:asvg="http://schemas.microsoft.com/office/drawing/2016/SVG/main" xmlns="" r:embed="rId4"/>
+                <asvg:svgBlip xmlns="" xmlns:asvg="http://schemas.microsoft.com/office/drawing/2016/SVG/main" r:embed="rId4"/>
               </a:ext>
             </a:extLst>
           </a:blip>
@@ -5540,8 +5586,8 @@
         </p:blipFill>
         <p:spPr>
           <a:xfrm>
-            <a:off x="9528312" y="888591"/>
-            <a:ext cx="2291177" cy="2291177"/>
+            <a:off x="9889556" y="1361311"/>
+            <a:ext cx="2358268" cy="2358268"/>
           </a:xfrm>
           <a:prstGeom prst="rect">
             <a:avLst/>
@@ -5550,7 +5596,7 @@
       </p:pic>
       <p:pic>
         <p:nvPicPr>
-          <p:cNvPr id="4" name="Picture 3"/>
+          <p:cNvPr id="5" name="Picture 4"/>
           <p:cNvPicPr>
             <a:picLocks noChangeAspect="1"/>
           </p:cNvPicPr>
@@ -5570,8 +5616,8 @@
         </p:blipFill>
         <p:spPr>
           <a:xfrm>
-            <a:off x="4779611" y="184652"/>
-            <a:ext cx="4748394" cy="6488695"/>
+            <a:off x="3747955" y="1021557"/>
+            <a:ext cx="5846684" cy="5416417"/>
           </a:xfrm>
           <a:prstGeom prst="rect">
             <a:avLst/>
@@ -5581,7 +5627,7 @@
     </p:spTree>
     <p:extLst>
       <p:ext uri="{BB962C8B-B14F-4D97-AF65-F5344CB8AC3E}">
-        <p14:creationId xmlns:p14="http://schemas.microsoft.com/office/powerpoint/2010/main" val="1685282976"/>
+        <p14:creationId xmlns:p14="http://schemas.microsoft.com/office/powerpoint/2010/main" val="509681963"/>
       </p:ext>
     </p:extLst>
   </p:cSld>
@@ -5621,10 +5667,10 @@
           <p:cNvPr id="17" name="Rectangle 16">
             <a:extLst>
               <a:ext uri="{FF2B5EF4-FFF2-40B4-BE49-F238E27FC236}">
-                <a16:creationId xmlns:a16="http://schemas.microsoft.com/office/drawing/2014/main" xmlns="" id="{35555856-9970-4BC3-9AA9-6A917F53AFBD}"/>
+                <a16:creationId xmlns="" xmlns:a16="http://schemas.microsoft.com/office/drawing/2014/main" id="{35555856-9970-4BC3-9AA9-6A917F53AFBD}"/>
               </a:ext>
               <a:ext uri="{C183D7F6-B498-43B3-948B-1728B52AA6E4}">
-                <adec:decorative xmlns:adec="http://schemas.microsoft.com/office/drawing/2017/decorative" xmlns="" val="1"/>
+                <adec:decorative xmlns="" xmlns:adec="http://schemas.microsoft.com/office/drawing/2017/decorative" val="1"/>
               </a:ext>
             </a:extLst>
           </p:cNvPr>
@@ -5707,10 +5753,10 @@
           <p:cNvPr id="19" name="Picture 18">
             <a:extLst>
               <a:ext uri="{FF2B5EF4-FFF2-40B4-BE49-F238E27FC236}">
-                <a16:creationId xmlns:a16="http://schemas.microsoft.com/office/drawing/2014/main" xmlns="" id="{7F487851-BFAF-46D8-A1ED-50CAD6E46F59}"/>
+                <a16:creationId xmlns="" xmlns:a16="http://schemas.microsoft.com/office/drawing/2014/main" id="{7F487851-BFAF-46D8-A1ED-50CAD6E46F59}"/>
               </a:ext>
               <a:ext uri="{C183D7F6-B498-43B3-948B-1728B52AA6E4}">
-                <adec:decorative xmlns:adec="http://schemas.microsoft.com/office/drawing/2017/decorative" xmlns="" val="1"/>
+                <adec:decorative xmlns="" xmlns:adec="http://schemas.microsoft.com/office/drawing/2017/decorative" val="1"/>
               </a:ext>
             </a:extLst>
           </p:cNvPr>
@@ -5759,13 +5805,13 @@
         </p:nvSpPr>
         <p:spPr>
           <a:xfrm>
-            <a:off x="275773" y="389566"/>
+            <a:off x="236017" y="2459772"/>
             <a:ext cx="4805996" cy="719996"/>
           </a:xfrm>
         </p:spPr>
         <p:txBody>
           <a:bodyPr anchor="t">
-            <a:normAutofit fontScale="90000"/>
+            <a:normAutofit/>
           </a:bodyPr>
           <a:lstStyle/>
           <a:p>
@@ -5776,7 +5822,7 @@
                   <a:srgbClr val="000000"/>
                 </a:solidFill>
               </a:rPr>
-              <a:t>Screenshots of the Application</a:t>
+              <a:t>Class diagram</a:t>
             </a:r>
             <a:endParaRPr lang="en-US" sz="4400" dirty="0">
               <a:solidFill>
@@ -5791,10 +5837,10 @@
           <p:cNvPr id="21" name="Freeform 50">
             <a:extLst>
               <a:ext uri="{FF2B5EF4-FFF2-40B4-BE49-F238E27FC236}">
-                <a16:creationId xmlns:a16="http://schemas.microsoft.com/office/drawing/2014/main" xmlns="" id="{13722DD7-BA73-4776-93A3-94491FEF7260}"/>
+                <a16:creationId xmlns="" xmlns:a16="http://schemas.microsoft.com/office/drawing/2014/main" id="{13722DD7-BA73-4776-93A3-94491FEF7260}"/>
               </a:ext>
               <a:ext uri="{C183D7F6-B498-43B3-948B-1728B52AA6E4}">
-                <adec:decorative xmlns:adec="http://schemas.microsoft.com/office/drawing/2017/decorative" xmlns="" val="1"/>
+                <adec:decorative xmlns="" xmlns:adec="http://schemas.microsoft.com/office/drawing/2017/decorative" val="1"/>
               </a:ext>
             </a:extLst>
           </p:cNvPr>
@@ -5989,7 +6035,7 @@
           <p:cNvPr id="7" name="Graphic 6" descr="Hospital First Aid">
             <a:extLst>
               <a:ext uri="{FF2B5EF4-FFF2-40B4-BE49-F238E27FC236}">
-                <a16:creationId xmlns:a16="http://schemas.microsoft.com/office/drawing/2014/main" xmlns="" id="{E9398A55-4F3C-42F0-A4BB-85B40403F127}"/>
+                <a16:creationId xmlns="" xmlns:a16="http://schemas.microsoft.com/office/drawing/2014/main" id="{E9398A55-4F3C-42F0-A4BB-85B40403F127}"/>
               </a:ext>
             </a:extLst>
           </p:cNvPr>
@@ -6005,7 +6051,1130 @@
                 <a14:useLocalDpi xmlns:a14="http://schemas.microsoft.com/office/drawing/2010/main" val="0"/>
               </a:ext>
               <a:ext uri="{96DAC541-7B7A-43D3-8B79-37D633B846F1}">
-                <asvg:svgBlip xmlns:asvg="http://schemas.microsoft.com/office/drawing/2016/SVG/main" xmlns="" r:embed="rId4"/>
+                <asvg:svgBlip xmlns="" xmlns:asvg="http://schemas.microsoft.com/office/drawing/2016/SVG/main" r:embed="rId4"/>
+              </a:ext>
+            </a:extLst>
+          </a:blip>
+          <a:stretch>
+            <a:fillRect/>
+          </a:stretch>
+        </p:blipFill>
+        <p:spPr>
+          <a:xfrm>
+            <a:off x="9528312" y="888591"/>
+            <a:ext cx="2291177" cy="2291177"/>
+          </a:xfrm>
+          <a:prstGeom prst="rect">
+            <a:avLst/>
+          </a:prstGeom>
+        </p:spPr>
+      </p:pic>
+      <p:pic>
+        <p:nvPicPr>
+          <p:cNvPr id="4" name="Picture 3"/>
+          <p:cNvPicPr>
+            <a:picLocks noChangeAspect="1"/>
+          </p:cNvPicPr>
+          <p:nvPr/>
+        </p:nvPicPr>
+        <p:blipFill>
+          <a:blip r:embed="rId5">
+            <a:extLst>
+              <a:ext uri="{28A0092B-C50C-407E-A947-70E740481C1C}">
+                <a14:useLocalDpi xmlns:a14="http://schemas.microsoft.com/office/drawing/2010/main" val="0"/>
+              </a:ext>
+            </a:extLst>
+          </a:blip>
+          <a:stretch>
+            <a:fillRect/>
+          </a:stretch>
+        </p:blipFill>
+        <p:spPr>
+          <a:xfrm>
+            <a:off x="4779611" y="184652"/>
+            <a:ext cx="4748394" cy="6488695"/>
+          </a:xfrm>
+          <a:prstGeom prst="rect">
+            <a:avLst/>
+          </a:prstGeom>
+        </p:spPr>
+      </p:pic>
+    </p:spTree>
+    <p:extLst>
+      <p:ext uri="{BB962C8B-B14F-4D97-AF65-F5344CB8AC3E}">
+        <p14:creationId xmlns:p14="http://schemas.microsoft.com/office/powerpoint/2010/main" val="1685282976"/>
+      </p:ext>
+    </p:extLst>
+  </p:cSld>
+  <p:clrMapOvr>
+    <a:masterClrMapping/>
+  </p:clrMapOvr>
+</p:sld>
+</file>
+
+<file path=ppt/slides/slide7.xml><?xml version="1.0" encoding="utf-8"?>
+<p:sld xmlns:a="http://schemas.openxmlformats.org/drawingml/2006/main" xmlns:r="http://schemas.openxmlformats.org/officeDocument/2006/relationships" xmlns:p="http://schemas.openxmlformats.org/presentationml/2006/main">
+  <p:cSld>
+    <p:bg>
+      <p:bgPr>
+        <a:solidFill>
+          <a:schemeClr val="bg1"/>
+        </a:solidFill>
+        <a:effectLst/>
+      </p:bgPr>
+    </p:bg>
+    <p:spTree>
+      <p:nvGrpSpPr>
+        <p:cNvPr id="1" name=""/>
+        <p:cNvGrpSpPr/>
+        <p:nvPr/>
+      </p:nvGrpSpPr>
+      <p:grpSpPr>
+        <a:xfrm>
+          <a:off x="0" y="0"/>
+          <a:ext cx="0" cy="0"/>
+          <a:chOff x="0" y="0"/>
+          <a:chExt cx="0" cy="0"/>
+        </a:xfrm>
+      </p:grpSpPr>
+      <p:sp>
+        <p:nvSpPr>
+          <p:cNvPr id="17" name="Rectangle 16">
+            <a:extLst>
+              <a:ext uri="{FF2B5EF4-FFF2-40B4-BE49-F238E27FC236}">
+                <a16:creationId xmlns="" xmlns:a16="http://schemas.microsoft.com/office/drawing/2014/main" id="{35555856-9970-4BC3-9AA9-6A917F53AFBD}"/>
+              </a:ext>
+              <a:ext uri="{C183D7F6-B498-43B3-948B-1728B52AA6E4}">
+                <adec:decorative xmlns="" xmlns:adec="http://schemas.microsoft.com/office/drawing/2017/decorative" val="1"/>
+              </a:ext>
+            </a:extLst>
+          </p:cNvPr>
+          <p:cNvSpPr>
+            <a:spLocks noGrp="1" noRot="1" noChangeAspect="1" noMove="1" noResize="1" noEditPoints="1" noAdjustHandles="1" noChangeArrowheads="1" noChangeShapeType="1" noTextEdit="1"/>
+          </p:cNvSpPr>
+          <p:nvPr>
+            <p:extLst>
+              <p:ext uri="{386F3935-93C4-4BCD-93E2-E3B085C9AB24}">
+                <p16:designElem xmlns:p16="http://schemas.microsoft.com/office/powerpoint/2015/main" val="1"/>
+              </p:ext>
+            </p:extLst>
+          </p:nvPr>
+        </p:nvSpPr>
+        <p:spPr>
+          <a:xfrm>
+            <a:off x="5769972" y="0"/>
+            <a:ext cx="6421721" cy="6858000"/>
+          </a:xfrm>
+          <a:prstGeom prst="rect">
+            <a:avLst/>
+          </a:prstGeom>
+          <a:gradFill>
+            <a:gsLst>
+              <a:gs pos="0">
+                <a:schemeClr val="accent1">
+                  <a:lumMod val="100000"/>
+                  <a:alpha val="82000"/>
+                </a:schemeClr>
+              </a:gs>
+              <a:gs pos="25000">
+                <a:schemeClr val="accent1">
+                  <a:alpha val="60000"/>
+                </a:schemeClr>
+              </a:gs>
+              <a:gs pos="94000">
+                <a:schemeClr val="bg2">
+                  <a:lumMod val="75000"/>
+                </a:schemeClr>
+              </a:gs>
+              <a:gs pos="100000">
+                <a:schemeClr val="bg2">
+                  <a:lumMod val="75000"/>
+                </a:schemeClr>
+              </a:gs>
+            </a:gsLst>
+            <a:lin ang="4200000" scaled="0"/>
+          </a:gradFill>
+          <a:ln>
+            <a:noFill/>
+          </a:ln>
+        </p:spPr>
+        <p:style>
+          <a:lnRef idx="2">
+            <a:schemeClr val="accent1">
+              <a:shade val="50000"/>
+            </a:schemeClr>
+          </a:lnRef>
+          <a:fillRef idx="1">
+            <a:schemeClr val="accent1"/>
+          </a:fillRef>
+          <a:effectRef idx="0">
+            <a:schemeClr val="accent1"/>
+          </a:effectRef>
+          <a:fontRef idx="minor">
+            <a:schemeClr val="lt1"/>
+          </a:fontRef>
+        </p:style>
+        <p:txBody>
+          <a:bodyPr rtlCol="0" anchor="ctr"/>
+          <a:lstStyle/>
+          <a:p>
+            <a:pPr algn="ctr"/>
+            <a:endParaRPr lang="en-US"/>
+          </a:p>
+        </p:txBody>
+      </p:sp>
+      <p:pic>
+        <p:nvPicPr>
+          <p:cNvPr id="19" name="Picture 18">
+            <a:extLst>
+              <a:ext uri="{FF2B5EF4-FFF2-40B4-BE49-F238E27FC236}">
+                <a16:creationId xmlns="" xmlns:a16="http://schemas.microsoft.com/office/drawing/2014/main" id="{7F487851-BFAF-46D8-A1ED-50CAD6E46F59}"/>
+              </a:ext>
+              <a:ext uri="{C183D7F6-B498-43B3-948B-1728B52AA6E4}">
+                <adec:decorative xmlns="" xmlns:adec="http://schemas.microsoft.com/office/drawing/2017/decorative" val="1"/>
+              </a:ext>
+            </a:extLst>
+          </p:cNvPr>
+          <p:cNvPicPr>
+            <a:picLocks noGrp="1" noRot="1" noChangeAspect="1" noMove="1" noResize="1" noEditPoints="1" noAdjustHandles="1" noChangeArrowheads="1" noChangeShapeType="1" noCrop="1"/>
+          </p:cNvPicPr>
+          <p:nvPr>
+            <p:extLst>
+              <p:ext uri="{386F3935-93C4-4BCD-93E2-E3B085C9AB24}">
+                <p16:designElem xmlns:p16="http://schemas.microsoft.com/office/powerpoint/2015/main" val="1"/>
+              </p:ext>
+            </p:extLst>
+          </p:nvPr>
+        </p:nvPicPr>
+        <p:blipFill>
+          <a:blip r:embed="rId2">
+            <a:extLst>
+              <a:ext uri="{28A0092B-C50C-407E-A947-70E740481C1C}">
+                <a14:useLocalDpi xmlns:a14="http://schemas.microsoft.com/office/drawing/2010/main" val="0"/>
+              </a:ext>
+            </a:extLst>
+          </a:blip>
+          <a:stretch>
+            <a:fillRect/>
+          </a:stretch>
+        </p:blipFill>
+        <p:spPr>
+          <a:xfrm flipH="1">
+            <a:off x="0" y="0"/>
+            <a:ext cx="12192000" cy="6858000"/>
+          </a:xfrm>
+          <a:prstGeom prst="rect">
+            <a:avLst/>
+          </a:prstGeom>
+        </p:spPr>
+      </p:pic>
+      <p:sp>
+        <p:nvSpPr>
+          <p:cNvPr id="2" name="Title 1"/>
+          <p:cNvSpPr>
+            <a:spLocks noGrp="1"/>
+          </p:cNvSpPr>
+          <p:nvPr>
+            <p:ph type="ctrTitle"/>
+          </p:nvPr>
+        </p:nvSpPr>
+        <p:spPr>
+          <a:xfrm>
+            <a:off x="142479" y="221161"/>
+            <a:ext cx="4805996" cy="719996"/>
+          </a:xfrm>
+        </p:spPr>
+        <p:txBody>
+          <a:bodyPr anchor="t">
+            <a:normAutofit fontScale="90000"/>
+          </a:bodyPr>
+          <a:lstStyle/>
+          <a:p>
+            <a:pPr algn="l"/>
+            <a:r>
+              <a:rPr lang="en-US" sz="4400" dirty="0" smtClean="0">
+                <a:solidFill>
+                  <a:srgbClr val="000000"/>
+                </a:solidFill>
+              </a:rPr>
+              <a:t>Roles and Capabilities</a:t>
+            </a:r>
+            <a:endParaRPr lang="en-US" sz="4400" dirty="0">
+              <a:solidFill>
+                <a:srgbClr val="000000"/>
+              </a:solidFill>
+            </a:endParaRPr>
+          </a:p>
+        </p:txBody>
+      </p:sp>
+      <p:sp>
+        <p:nvSpPr>
+          <p:cNvPr id="3" name="Subtitle 2"/>
+          <p:cNvSpPr>
+            <a:spLocks noGrp="1"/>
+          </p:cNvSpPr>
+          <p:nvPr>
+            <p:ph type="subTitle" idx="1"/>
+          </p:nvPr>
+        </p:nvSpPr>
+        <p:spPr>
+          <a:xfrm>
+            <a:off x="285263" y="910779"/>
+            <a:ext cx="4805691" cy="1100292"/>
+          </a:xfrm>
+        </p:spPr>
+        <p:txBody>
+          <a:bodyPr anchor="b">
+            <a:normAutofit/>
+          </a:bodyPr>
+          <a:lstStyle/>
+          <a:p>
+            <a:pPr marL="285750" marR="0" lvl="0" indent="-285750" algn="l" defTabSz="914400" eaLnBrk="1" fontAlgn="auto" latinLnBrk="0" hangingPunct="1">
+              <a:lnSpc>
+                <a:spcPct val="100000"/>
+              </a:lnSpc>
+              <a:spcBef>
+                <a:spcPts val="0"/>
+              </a:spcBef>
+              <a:spcAft>
+                <a:spcPts val="0"/>
+              </a:spcAft>
+              <a:buClrTx/>
+              <a:buSzTx/>
+              <a:buFont typeface="Arial" charset="0"/>
+              <a:buNone/>
+              <a:tabLst/>
+              <a:defRPr/>
+            </a:pPr>
+            <a:r>
+              <a:rPr lang="en-US" sz="1800" dirty="0" smtClean="0">
+                <a:solidFill>
+                  <a:srgbClr val="000000"/>
+                </a:solidFill>
+              </a:rPr>
+              <a:t>There are six employee roles and one Patient role</a:t>
+            </a:r>
+          </a:p>
+          <a:p>
+            <a:pPr marL="285750" marR="0" lvl="0" indent="-285750" algn="l" defTabSz="914400" eaLnBrk="1" fontAlgn="auto" latinLnBrk="0" hangingPunct="1">
+              <a:lnSpc>
+                <a:spcPct val="100000"/>
+              </a:lnSpc>
+              <a:spcBef>
+                <a:spcPts val="0"/>
+              </a:spcBef>
+              <a:spcAft>
+                <a:spcPts val="0"/>
+              </a:spcAft>
+              <a:buClrTx/>
+              <a:buSzTx/>
+              <a:buFont typeface="Arial" charset="0"/>
+              <a:buNone/>
+              <a:tabLst/>
+              <a:defRPr/>
+            </a:pPr>
+            <a:r>
+              <a:rPr lang="en-US" sz="1800" dirty="0" smtClean="0">
+                <a:solidFill>
+                  <a:srgbClr val="000000"/>
+                </a:solidFill>
+              </a:rPr>
+              <a:t>apart from Admin roles for their respective enterprises and one Super user.</a:t>
+            </a:r>
+          </a:p>
+          <a:p>
+            <a:pPr marL="285750" marR="0" lvl="0" indent="-285750" algn="l" defTabSz="914400" eaLnBrk="1" fontAlgn="auto" latinLnBrk="0" hangingPunct="1">
+              <a:lnSpc>
+                <a:spcPct val="100000"/>
+              </a:lnSpc>
+              <a:spcBef>
+                <a:spcPts val="0"/>
+              </a:spcBef>
+              <a:spcAft>
+                <a:spcPts val="0"/>
+              </a:spcAft>
+              <a:buClrTx/>
+              <a:buSzTx/>
+              <a:buFont typeface="Arial" charset="0"/>
+              <a:buNone/>
+              <a:tabLst/>
+              <a:defRPr/>
+            </a:pPr>
+            <a:endParaRPr lang="en-US" sz="1800" dirty="0">
+              <a:solidFill>
+                <a:srgbClr val="000000"/>
+              </a:solidFill>
+            </a:endParaRPr>
+          </a:p>
+        </p:txBody>
+      </p:sp>
+      <p:sp>
+        <p:nvSpPr>
+          <p:cNvPr id="21" name="Freeform 50">
+            <a:extLst>
+              <a:ext uri="{FF2B5EF4-FFF2-40B4-BE49-F238E27FC236}">
+                <a16:creationId xmlns="" xmlns:a16="http://schemas.microsoft.com/office/drawing/2014/main" id="{13722DD7-BA73-4776-93A3-94491FEF7260}"/>
+              </a:ext>
+              <a:ext uri="{C183D7F6-B498-43B3-948B-1728B52AA6E4}">
+                <adec:decorative xmlns="" xmlns:adec="http://schemas.microsoft.com/office/drawing/2017/decorative" val="1"/>
+              </a:ext>
+            </a:extLst>
+          </p:cNvPr>
+          <p:cNvSpPr>
+            <a:spLocks noGrp="1" noRot="1" noChangeAspect="1" noMove="1" noResize="1" noEditPoints="1" noAdjustHandles="1" noChangeArrowheads="1" noChangeShapeType="1" noTextEdit="1"/>
+          </p:cNvSpPr>
+          <p:nvPr>
+            <p:extLst>
+              <p:ext uri="{386F3935-93C4-4BCD-93E2-E3B085C9AB24}">
+                <p16:designElem xmlns:p16="http://schemas.microsoft.com/office/powerpoint/2015/main" val="1"/>
+              </p:ext>
+            </p:extLst>
+          </p:nvPr>
+        </p:nvSpPr>
+        <p:spPr>
+          <a:xfrm>
+            <a:off x="6727121" y="581159"/>
+            <a:ext cx="5464879" cy="6276841"/>
+          </a:xfrm>
+          <a:custGeom>
+            <a:avLst/>
+            <a:gdLst>
+              <a:gd name="connsiteX0" fmla="*/ 3299930 w 5464879"/>
+              <a:gd name="connsiteY0" fmla="*/ 0 h 6276841"/>
+              <a:gd name="connsiteX1" fmla="*/ 5398992 w 5464879"/>
+              <a:gd name="connsiteY1" fmla="*/ 753544 h 6276841"/>
+              <a:gd name="connsiteX2" fmla="*/ 5464879 w 5464879"/>
+              <a:gd name="connsiteY2" fmla="*/ 813426 h 6276841"/>
+              <a:gd name="connsiteX3" fmla="*/ 5464879 w 5464879"/>
+              <a:gd name="connsiteY3" fmla="*/ 5786434 h 6276841"/>
+              <a:gd name="connsiteX4" fmla="*/ 5398992 w 5464879"/>
+              <a:gd name="connsiteY4" fmla="*/ 5846317 h 6276841"/>
+              <a:gd name="connsiteX5" fmla="*/ 4872873 w 5464879"/>
+              <a:gd name="connsiteY5" fmla="*/ 6201577 h 6276841"/>
+              <a:gd name="connsiteX6" fmla="*/ 4716632 w 5464879"/>
+              <a:gd name="connsiteY6" fmla="*/ 6276841 h 6276841"/>
+              <a:gd name="connsiteX7" fmla="*/ 1883227 w 5464879"/>
+              <a:gd name="connsiteY7" fmla="*/ 6276841 h 6276841"/>
+              <a:gd name="connsiteX8" fmla="*/ 1726987 w 5464879"/>
+              <a:gd name="connsiteY8" fmla="*/ 6201577 h 6276841"/>
+              <a:gd name="connsiteX9" fmla="*/ 0 w 5464879"/>
+              <a:gd name="connsiteY9" fmla="*/ 3299930 h 6276841"/>
+              <a:gd name="connsiteX10" fmla="*/ 3299930 w 5464879"/>
+              <a:gd name="connsiteY10" fmla="*/ 0 h 6276841"/>
+            </a:gdLst>
+            <a:ahLst/>
+            <a:cxnLst>
+              <a:cxn ang="0">
+                <a:pos x="connsiteX0" y="connsiteY0"/>
+              </a:cxn>
+              <a:cxn ang="0">
+                <a:pos x="connsiteX1" y="connsiteY1"/>
+              </a:cxn>
+              <a:cxn ang="0">
+                <a:pos x="connsiteX2" y="connsiteY2"/>
+              </a:cxn>
+              <a:cxn ang="0">
+                <a:pos x="connsiteX3" y="connsiteY3"/>
+              </a:cxn>
+              <a:cxn ang="0">
+                <a:pos x="connsiteX4" y="connsiteY4"/>
+              </a:cxn>
+              <a:cxn ang="0">
+                <a:pos x="connsiteX5" y="connsiteY5"/>
+              </a:cxn>
+              <a:cxn ang="0">
+                <a:pos x="connsiteX6" y="connsiteY6"/>
+              </a:cxn>
+              <a:cxn ang="0">
+                <a:pos x="connsiteX7" y="connsiteY7"/>
+              </a:cxn>
+              <a:cxn ang="0">
+                <a:pos x="connsiteX8" y="connsiteY8"/>
+              </a:cxn>
+              <a:cxn ang="0">
+                <a:pos x="connsiteX9" y="connsiteY9"/>
+              </a:cxn>
+              <a:cxn ang="0">
+                <a:pos x="connsiteX10" y="connsiteY10"/>
+              </a:cxn>
+            </a:cxnLst>
+            <a:rect l="l" t="t" r="r" b="b"/>
+            <a:pathLst>
+              <a:path w="5464879" h="6276841">
+                <a:moveTo>
+                  <a:pt x="3299930" y="0"/>
+                </a:moveTo>
+                <a:cubicBezTo>
+                  <a:pt x="4097274" y="0"/>
+                  <a:pt x="4828569" y="282789"/>
+                  <a:pt x="5398992" y="753544"/>
+                </a:cubicBezTo>
+                <a:lnTo>
+                  <a:pt x="5464879" y="813426"/>
+                </a:lnTo>
+                <a:lnTo>
+                  <a:pt x="5464879" y="5786434"/>
+                </a:lnTo>
+                <a:lnTo>
+                  <a:pt x="5398992" y="5846317"/>
+                </a:lnTo>
+                <a:cubicBezTo>
+                  <a:pt x="5236014" y="5980818"/>
+                  <a:pt x="5059904" y="6099975"/>
+                  <a:pt x="4872873" y="6201577"/>
+                </a:cubicBezTo>
+                <a:lnTo>
+                  <a:pt x="4716632" y="6276841"/>
+                </a:lnTo>
+                <a:lnTo>
+                  <a:pt x="1883227" y="6276841"/>
+                </a:lnTo>
+                <a:lnTo>
+                  <a:pt x="1726987" y="6201577"/>
+                </a:lnTo>
+                <a:cubicBezTo>
+                  <a:pt x="698316" y="5642769"/>
+                  <a:pt x="0" y="4552900"/>
+                  <a:pt x="0" y="3299930"/>
+                </a:cubicBezTo>
+                <a:cubicBezTo>
+                  <a:pt x="0" y="1477429"/>
+                  <a:pt x="1477429" y="0"/>
+                  <a:pt x="3299930" y="0"/>
+                </a:cubicBezTo>
+                <a:close/>
+              </a:path>
+            </a:pathLst>
+          </a:custGeom>
+          <a:solidFill>
+            <a:srgbClr val="FFFFFF"/>
+          </a:solidFill>
+          <a:ln>
+            <a:gradFill>
+              <a:gsLst>
+                <a:gs pos="0">
+                  <a:schemeClr val="accent1">
+                    <a:lumMod val="40000"/>
+                    <a:lumOff val="60000"/>
+                  </a:schemeClr>
+                </a:gs>
+                <a:gs pos="23000">
+                  <a:schemeClr val="accent1">
+                    <a:lumMod val="45000"/>
+                    <a:lumOff val="55000"/>
+                  </a:schemeClr>
+                </a:gs>
+                <a:gs pos="83000">
+                  <a:schemeClr val="bg2">
+                    <a:lumMod val="75000"/>
+                  </a:schemeClr>
+                </a:gs>
+                <a:gs pos="100000">
+                  <a:schemeClr val="bg2">
+                    <a:lumMod val="75000"/>
+                  </a:schemeClr>
+                </a:gs>
+              </a:gsLst>
+              <a:lin ang="5400000" scaled="1"/>
+            </a:gradFill>
+          </a:ln>
+        </p:spPr>
+        <p:style>
+          <a:lnRef idx="2">
+            <a:schemeClr val="accent1">
+              <a:shade val="50000"/>
+            </a:schemeClr>
+          </a:lnRef>
+          <a:fillRef idx="1">
+            <a:schemeClr val="accent1"/>
+          </a:fillRef>
+          <a:effectRef idx="0">
+            <a:schemeClr val="accent1"/>
+          </a:effectRef>
+          <a:fontRef idx="minor">
+            <a:schemeClr val="lt1"/>
+          </a:fontRef>
+        </p:style>
+        <p:txBody>
+          <a:bodyPr wrap="square" rtlCol="0" anchor="ctr">
+            <a:noAutofit/>
+          </a:bodyPr>
+          <a:lstStyle/>
+          <a:p>
+            <a:pPr algn="ctr"/>
+            <a:endParaRPr lang="en-US"/>
+          </a:p>
+        </p:txBody>
+      </p:sp>
+      <p:pic>
+        <p:nvPicPr>
+          <p:cNvPr id="7" name="Graphic 6" descr="Hospital First Aid">
+            <a:extLst>
+              <a:ext uri="{FF2B5EF4-FFF2-40B4-BE49-F238E27FC236}">
+                <a16:creationId xmlns="" xmlns:a16="http://schemas.microsoft.com/office/drawing/2014/main" id="{E9398A55-4F3C-42F0-A4BB-85B40403F127}"/>
+              </a:ext>
+            </a:extLst>
+          </p:cNvPr>
+          <p:cNvPicPr>
+            <a:picLocks noChangeAspect="1"/>
+          </p:cNvPicPr>
+          <p:nvPr/>
+        </p:nvPicPr>
+        <p:blipFill>
+          <a:blip r:embed="rId3">
+            <a:extLst>
+              <a:ext uri="{28A0092B-C50C-407E-A947-70E740481C1C}">
+                <a14:useLocalDpi xmlns:a14="http://schemas.microsoft.com/office/drawing/2010/main" val="0"/>
+              </a:ext>
+              <a:ext uri="{96DAC541-7B7A-43D3-8B79-37D633B846F1}">
+                <asvg:svgBlip xmlns="" xmlns:asvg="http://schemas.microsoft.com/office/drawing/2016/SVG/main" r:embed="rId4"/>
+              </a:ext>
+            </a:extLst>
+          </a:blip>
+          <a:stretch>
+            <a:fillRect/>
+          </a:stretch>
+        </p:blipFill>
+        <p:spPr>
+          <a:xfrm>
+            <a:off x="7456473" y="1785939"/>
+            <a:ext cx="3048718" cy="3048718"/>
+          </a:xfrm>
+          <a:prstGeom prst="rect">
+            <a:avLst/>
+          </a:prstGeom>
+        </p:spPr>
+      </p:pic>
+      <p:sp>
+        <p:nvSpPr>
+          <p:cNvPr id="4" name="TextBox 3"/>
+          <p:cNvSpPr txBox="1"/>
+          <p:nvPr/>
+        </p:nvSpPr>
+        <p:spPr>
+          <a:xfrm>
+            <a:off x="316931" y="2081278"/>
+            <a:ext cx="6045514" cy="4801314"/>
+          </a:xfrm>
+          <a:prstGeom prst="rect">
+            <a:avLst/>
+          </a:prstGeom>
+          <a:noFill/>
+        </p:spPr>
+        <p:txBody>
+          <a:bodyPr wrap="square" rtlCol="0">
+            <a:spAutoFit/>
+          </a:bodyPr>
+          <a:lstStyle/>
+          <a:p>
+            <a:r>
+              <a:rPr lang="en-US" b="1" dirty="0" smtClean="0"/>
+              <a:t>Hospital Enterprise</a:t>
+            </a:r>
+          </a:p>
+          <a:p>
+            <a:r>
+              <a:rPr lang="en-US" dirty="0" smtClean="0"/>
+              <a:t>Doctor Assistant – (DA) role – Approves Doctor appointments</a:t>
+            </a:r>
+          </a:p>
+          <a:p>
+            <a:r>
+              <a:rPr lang="en-US" dirty="0" smtClean="0"/>
+              <a:t>Lab Assistant role – Receives Lab requests and updates Lab Reports</a:t>
+            </a:r>
+          </a:p>
+          <a:p>
+            <a:r>
+              <a:rPr lang="en-US" dirty="0" smtClean="0"/>
+              <a:t>Doctor role – Processes Patient consultations</a:t>
+            </a:r>
+          </a:p>
+          <a:p>
+            <a:endParaRPr lang="en-US" dirty="0"/>
+          </a:p>
+          <a:p>
+            <a:r>
+              <a:rPr lang="en-US" b="1" dirty="0" smtClean="0"/>
+              <a:t>Insurance Enterprise</a:t>
+            </a:r>
+          </a:p>
+          <a:p>
+            <a:r>
+              <a:rPr lang="en-US" dirty="0" smtClean="0"/>
+              <a:t>Sales Agent role - Receives buy insurance requests from customers. Processes them and sends them for approval</a:t>
+            </a:r>
+          </a:p>
+          <a:p>
+            <a:r>
+              <a:rPr lang="en-US" dirty="0" smtClean="0"/>
+              <a:t>Claims Agent role – Receives claims request for processing (Patient consultations /Lab Test )</a:t>
+            </a:r>
+          </a:p>
+          <a:p>
+            <a:r>
+              <a:rPr lang="en-US" dirty="0" smtClean="0"/>
+              <a:t>Manager role – Receives approval requests for buying insurance and Claim requests)</a:t>
+            </a:r>
+          </a:p>
+          <a:p>
+            <a:endParaRPr lang="en-US" dirty="0"/>
+          </a:p>
+          <a:p>
+            <a:r>
+              <a:rPr lang="en-US" dirty="0" smtClean="0"/>
+              <a:t>Patient role – Can take Doctor consultation and lab test appointments across network</a:t>
+            </a:r>
+          </a:p>
+          <a:p>
+            <a:endParaRPr lang="en-US" dirty="0"/>
+          </a:p>
+        </p:txBody>
+      </p:sp>
+    </p:spTree>
+    <p:extLst>
+      <p:ext uri="{BB962C8B-B14F-4D97-AF65-F5344CB8AC3E}">
+        <p14:creationId xmlns:p14="http://schemas.microsoft.com/office/powerpoint/2010/main" val="509146762"/>
+      </p:ext>
+    </p:extLst>
+  </p:cSld>
+  <p:clrMapOvr>
+    <a:masterClrMapping/>
+  </p:clrMapOvr>
+</p:sld>
+</file>
+
+<file path=ppt/slides/slide8.xml><?xml version="1.0" encoding="utf-8"?>
+<p:sld xmlns:a="http://schemas.openxmlformats.org/drawingml/2006/main" xmlns:r="http://schemas.openxmlformats.org/officeDocument/2006/relationships" xmlns:p="http://schemas.openxmlformats.org/presentationml/2006/main">
+  <p:cSld>
+    <p:bg>
+      <p:bgPr>
+        <a:solidFill>
+          <a:schemeClr val="bg1"/>
+        </a:solidFill>
+        <a:effectLst/>
+      </p:bgPr>
+    </p:bg>
+    <p:spTree>
+      <p:nvGrpSpPr>
+        <p:cNvPr id="1" name=""/>
+        <p:cNvGrpSpPr/>
+        <p:nvPr/>
+      </p:nvGrpSpPr>
+      <p:grpSpPr>
+        <a:xfrm>
+          <a:off x="0" y="0"/>
+          <a:ext cx="0" cy="0"/>
+          <a:chOff x="0" y="0"/>
+          <a:chExt cx="0" cy="0"/>
+        </a:xfrm>
+      </p:grpSpPr>
+      <p:sp>
+        <p:nvSpPr>
+          <p:cNvPr id="17" name="Rectangle 16">
+            <a:extLst>
+              <a:ext uri="{FF2B5EF4-FFF2-40B4-BE49-F238E27FC236}">
+                <a16:creationId xmlns="" xmlns:a16="http://schemas.microsoft.com/office/drawing/2014/main" id="{35555856-9970-4BC3-9AA9-6A917F53AFBD}"/>
+              </a:ext>
+              <a:ext uri="{C183D7F6-B498-43B3-948B-1728B52AA6E4}">
+                <adec:decorative xmlns="" xmlns:adec="http://schemas.microsoft.com/office/drawing/2017/decorative" val="1"/>
+              </a:ext>
+            </a:extLst>
+          </p:cNvPr>
+          <p:cNvSpPr>
+            <a:spLocks noGrp="1" noRot="1" noChangeAspect="1" noMove="1" noResize="1" noEditPoints="1" noAdjustHandles="1" noChangeArrowheads="1" noChangeShapeType="1" noTextEdit="1"/>
+          </p:cNvSpPr>
+          <p:nvPr>
+            <p:extLst>
+              <p:ext uri="{386F3935-93C4-4BCD-93E2-E3B085C9AB24}">
+                <p16:designElem xmlns:p16="http://schemas.microsoft.com/office/powerpoint/2015/main" val="1"/>
+              </p:ext>
+            </p:extLst>
+          </p:nvPr>
+        </p:nvSpPr>
+        <p:spPr>
+          <a:xfrm>
+            <a:off x="5769972" y="0"/>
+            <a:ext cx="6421721" cy="6858000"/>
+          </a:xfrm>
+          <a:prstGeom prst="rect">
+            <a:avLst/>
+          </a:prstGeom>
+          <a:gradFill>
+            <a:gsLst>
+              <a:gs pos="0">
+                <a:schemeClr val="accent1">
+                  <a:lumMod val="100000"/>
+                  <a:alpha val="82000"/>
+                </a:schemeClr>
+              </a:gs>
+              <a:gs pos="25000">
+                <a:schemeClr val="accent1">
+                  <a:alpha val="60000"/>
+                </a:schemeClr>
+              </a:gs>
+              <a:gs pos="94000">
+                <a:schemeClr val="bg2">
+                  <a:lumMod val="75000"/>
+                </a:schemeClr>
+              </a:gs>
+              <a:gs pos="100000">
+                <a:schemeClr val="bg2">
+                  <a:lumMod val="75000"/>
+                </a:schemeClr>
+              </a:gs>
+            </a:gsLst>
+            <a:lin ang="4200000" scaled="0"/>
+          </a:gradFill>
+          <a:ln>
+            <a:noFill/>
+          </a:ln>
+        </p:spPr>
+        <p:style>
+          <a:lnRef idx="2">
+            <a:schemeClr val="accent1">
+              <a:shade val="50000"/>
+            </a:schemeClr>
+          </a:lnRef>
+          <a:fillRef idx="1">
+            <a:schemeClr val="accent1"/>
+          </a:fillRef>
+          <a:effectRef idx="0">
+            <a:schemeClr val="accent1"/>
+          </a:effectRef>
+          <a:fontRef idx="minor">
+            <a:schemeClr val="lt1"/>
+          </a:fontRef>
+        </p:style>
+        <p:txBody>
+          <a:bodyPr rtlCol="0" anchor="ctr"/>
+          <a:lstStyle/>
+          <a:p>
+            <a:pPr algn="ctr"/>
+            <a:endParaRPr lang="en-US"/>
+          </a:p>
+        </p:txBody>
+      </p:sp>
+      <p:pic>
+        <p:nvPicPr>
+          <p:cNvPr id="19" name="Picture 18">
+            <a:extLst>
+              <a:ext uri="{FF2B5EF4-FFF2-40B4-BE49-F238E27FC236}">
+                <a16:creationId xmlns="" xmlns:a16="http://schemas.microsoft.com/office/drawing/2014/main" id="{7F487851-BFAF-46D8-A1ED-50CAD6E46F59}"/>
+              </a:ext>
+              <a:ext uri="{C183D7F6-B498-43B3-948B-1728B52AA6E4}">
+                <adec:decorative xmlns="" xmlns:adec="http://schemas.microsoft.com/office/drawing/2017/decorative" val="1"/>
+              </a:ext>
+            </a:extLst>
+          </p:cNvPr>
+          <p:cNvPicPr>
+            <a:picLocks noGrp="1" noRot="1" noChangeAspect="1" noMove="1" noResize="1" noEditPoints="1" noAdjustHandles="1" noChangeArrowheads="1" noChangeShapeType="1" noCrop="1"/>
+          </p:cNvPicPr>
+          <p:nvPr>
+            <p:extLst>
+              <p:ext uri="{386F3935-93C4-4BCD-93E2-E3B085C9AB24}">
+                <p16:designElem xmlns:p16="http://schemas.microsoft.com/office/powerpoint/2015/main" val="1"/>
+              </p:ext>
+            </p:extLst>
+          </p:nvPr>
+        </p:nvPicPr>
+        <p:blipFill>
+          <a:blip r:embed="rId2">
+            <a:extLst>
+              <a:ext uri="{28A0092B-C50C-407E-A947-70E740481C1C}">
+                <a14:useLocalDpi xmlns:a14="http://schemas.microsoft.com/office/drawing/2010/main" val="0"/>
+              </a:ext>
+            </a:extLst>
+          </a:blip>
+          <a:stretch>
+            <a:fillRect/>
+          </a:stretch>
+        </p:blipFill>
+        <p:spPr>
+          <a:xfrm flipH="1">
+            <a:off x="0" y="0"/>
+            <a:ext cx="12192000" cy="6858000"/>
+          </a:xfrm>
+          <a:prstGeom prst="rect">
+            <a:avLst/>
+          </a:prstGeom>
+        </p:spPr>
+      </p:pic>
+      <p:sp>
+        <p:nvSpPr>
+          <p:cNvPr id="2" name="Title 1"/>
+          <p:cNvSpPr>
+            <a:spLocks noGrp="1"/>
+          </p:cNvSpPr>
+          <p:nvPr>
+            <p:ph type="ctrTitle"/>
+          </p:nvPr>
+        </p:nvSpPr>
+        <p:spPr>
+          <a:xfrm>
+            <a:off x="275773" y="389566"/>
+            <a:ext cx="4805996" cy="719996"/>
+          </a:xfrm>
+        </p:spPr>
+        <p:txBody>
+          <a:bodyPr anchor="t">
+            <a:normAutofit fontScale="90000"/>
+          </a:bodyPr>
+          <a:lstStyle/>
+          <a:p>
+            <a:pPr algn="l"/>
+            <a:r>
+              <a:rPr lang="en-US" sz="4400" dirty="0" smtClean="0">
+                <a:solidFill>
+                  <a:srgbClr val="000000"/>
+                </a:solidFill>
+              </a:rPr>
+              <a:t>Screenshot </a:t>
+            </a:r>
+            <a:r>
+              <a:rPr lang="en-US" sz="4400" dirty="0" smtClean="0">
+                <a:solidFill>
+                  <a:srgbClr val="000000"/>
+                </a:solidFill>
+              </a:rPr>
+              <a:t>of the </a:t>
+            </a:r>
+            <a:r>
+              <a:rPr lang="en-US" sz="4400" dirty="0" smtClean="0">
+                <a:solidFill>
+                  <a:srgbClr val="000000"/>
+                </a:solidFill>
+              </a:rPr>
+              <a:t>Homepage</a:t>
+            </a:r>
+            <a:endParaRPr lang="en-US" sz="4400" dirty="0">
+              <a:solidFill>
+                <a:srgbClr val="000000"/>
+              </a:solidFill>
+            </a:endParaRPr>
+          </a:p>
+        </p:txBody>
+      </p:sp>
+      <p:sp>
+        <p:nvSpPr>
+          <p:cNvPr id="21" name="Freeform 50">
+            <a:extLst>
+              <a:ext uri="{FF2B5EF4-FFF2-40B4-BE49-F238E27FC236}">
+                <a16:creationId xmlns="" xmlns:a16="http://schemas.microsoft.com/office/drawing/2014/main" id="{13722DD7-BA73-4776-93A3-94491FEF7260}"/>
+              </a:ext>
+              <a:ext uri="{C183D7F6-B498-43B3-948B-1728B52AA6E4}">
+                <adec:decorative xmlns="" xmlns:adec="http://schemas.microsoft.com/office/drawing/2017/decorative" val="1"/>
+              </a:ext>
+            </a:extLst>
+          </p:cNvPr>
+          <p:cNvSpPr>
+            <a:spLocks noGrp="1" noRot="1" noChangeAspect="1" noMove="1" noResize="1" noEditPoints="1" noAdjustHandles="1" noChangeArrowheads="1" noChangeShapeType="1" noTextEdit="1"/>
+          </p:cNvSpPr>
+          <p:nvPr>
+            <p:extLst>
+              <p:ext uri="{386F3935-93C4-4BCD-93E2-E3B085C9AB24}">
+                <p16:designElem xmlns:p16="http://schemas.microsoft.com/office/powerpoint/2015/main" val="1"/>
+              </p:ext>
+            </p:extLst>
+          </p:nvPr>
+        </p:nvSpPr>
+        <p:spPr>
+          <a:xfrm>
+            <a:off x="6727121" y="581159"/>
+            <a:ext cx="5464879" cy="6276841"/>
+          </a:xfrm>
+          <a:custGeom>
+            <a:avLst/>
+            <a:gdLst>
+              <a:gd name="connsiteX0" fmla="*/ 3299930 w 5464879"/>
+              <a:gd name="connsiteY0" fmla="*/ 0 h 6276841"/>
+              <a:gd name="connsiteX1" fmla="*/ 5398992 w 5464879"/>
+              <a:gd name="connsiteY1" fmla="*/ 753544 h 6276841"/>
+              <a:gd name="connsiteX2" fmla="*/ 5464879 w 5464879"/>
+              <a:gd name="connsiteY2" fmla="*/ 813426 h 6276841"/>
+              <a:gd name="connsiteX3" fmla="*/ 5464879 w 5464879"/>
+              <a:gd name="connsiteY3" fmla="*/ 5786434 h 6276841"/>
+              <a:gd name="connsiteX4" fmla="*/ 5398992 w 5464879"/>
+              <a:gd name="connsiteY4" fmla="*/ 5846317 h 6276841"/>
+              <a:gd name="connsiteX5" fmla="*/ 4872873 w 5464879"/>
+              <a:gd name="connsiteY5" fmla="*/ 6201577 h 6276841"/>
+              <a:gd name="connsiteX6" fmla="*/ 4716632 w 5464879"/>
+              <a:gd name="connsiteY6" fmla="*/ 6276841 h 6276841"/>
+              <a:gd name="connsiteX7" fmla="*/ 1883227 w 5464879"/>
+              <a:gd name="connsiteY7" fmla="*/ 6276841 h 6276841"/>
+              <a:gd name="connsiteX8" fmla="*/ 1726987 w 5464879"/>
+              <a:gd name="connsiteY8" fmla="*/ 6201577 h 6276841"/>
+              <a:gd name="connsiteX9" fmla="*/ 0 w 5464879"/>
+              <a:gd name="connsiteY9" fmla="*/ 3299930 h 6276841"/>
+              <a:gd name="connsiteX10" fmla="*/ 3299930 w 5464879"/>
+              <a:gd name="connsiteY10" fmla="*/ 0 h 6276841"/>
+            </a:gdLst>
+            <a:ahLst/>
+            <a:cxnLst>
+              <a:cxn ang="0">
+                <a:pos x="connsiteX0" y="connsiteY0"/>
+              </a:cxn>
+              <a:cxn ang="0">
+                <a:pos x="connsiteX1" y="connsiteY1"/>
+              </a:cxn>
+              <a:cxn ang="0">
+                <a:pos x="connsiteX2" y="connsiteY2"/>
+              </a:cxn>
+              <a:cxn ang="0">
+                <a:pos x="connsiteX3" y="connsiteY3"/>
+              </a:cxn>
+              <a:cxn ang="0">
+                <a:pos x="connsiteX4" y="connsiteY4"/>
+              </a:cxn>
+              <a:cxn ang="0">
+                <a:pos x="connsiteX5" y="connsiteY5"/>
+              </a:cxn>
+              <a:cxn ang="0">
+                <a:pos x="connsiteX6" y="connsiteY6"/>
+              </a:cxn>
+              <a:cxn ang="0">
+                <a:pos x="connsiteX7" y="connsiteY7"/>
+              </a:cxn>
+              <a:cxn ang="0">
+                <a:pos x="connsiteX8" y="connsiteY8"/>
+              </a:cxn>
+              <a:cxn ang="0">
+                <a:pos x="connsiteX9" y="connsiteY9"/>
+              </a:cxn>
+              <a:cxn ang="0">
+                <a:pos x="connsiteX10" y="connsiteY10"/>
+              </a:cxn>
+            </a:cxnLst>
+            <a:rect l="l" t="t" r="r" b="b"/>
+            <a:pathLst>
+              <a:path w="5464879" h="6276841">
+                <a:moveTo>
+                  <a:pt x="3299930" y="0"/>
+                </a:moveTo>
+                <a:cubicBezTo>
+                  <a:pt x="4097274" y="0"/>
+                  <a:pt x="4828569" y="282789"/>
+                  <a:pt x="5398992" y="753544"/>
+                </a:cubicBezTo>
+                <a:lnTo>
+                  <a:pt x="5464879" y="813426"/>
+                </a:lnTo>
+                <a:lnTo>
+                  <a:pt x="5464879" y="5786434"/>
+                </a:lnTo>
+                <a:lnTo>
+                  <a:pt x="5398992" y="5846317"/>
+                </a:lnTo>
+                <a:cubicBezTo>
+                  <a:pt x="5236014" y="5980818"/>
+                  <a:pt x="5059904" y="6099975"/>
+                  <a:pt x="4872873" y="6201577"/>
+                </a:cubicBezTo>
+                <a:lnTo>
+                  <a:pt x="4716632" y="6276841"/>
+                </a:lnTo>
+                <a:lnTo>
+                  <a:pt x="1883227" y="6276841"/>
+                </a:lnTo>
+                <a:lnTo>
+                  <a:pt x="1726987" y="6201577"/>
+                </a:lnTo>
+                <a:cubicBezTo>
+                  <a:pt x="698316" y="5642769"/>
+                  <a:pt x="0" y="4552900"/>
+                  <a:pt x="0" y="3299930"/>
+                </a:cubicBezTo>
+                <a:cubicBezTo>
+                  <a:pt x="0" y="1477429"/>
+                  <a:pt x="1477429" y="0"/>
+                  <a:pt x="3299930" y="0"/>
+                </a:cubicBezTo>
+                <a:close/>
+              </a:path>
+            </a:pathLst>
+          </a:custGeom>
+          <a:solidFill>
+            <a:srgbClr val="FFFFFF"/>
+          </a:solidFill>
+          <a:ln>
+            <a:gradFill>
+              <a:gsLst>
+                <a:gs pos="0">
+                  <a:schemeClr val="accent1">
+                    <a:lumMod val="40000"/>
+                    <a:lumOff val="60000"/>
+                  </a:schemeClr>
+                </a:gs>
+                <a:gs pos="23000">
+                  <a:schemeClr val="accent1">
+                    <a:lumMod val="45000"/>
+                    <a:lumOff val="55000"/>
+                  </a:schemeClr>
+                </a:gs>
+                <a:gs pos="83000">
+                  <a:schemeClr val="bg2">
+                    <a:lumMod val="75000"/>
+                  </a:schemeClr>
+                </a:gs>
+                <a:gs pos="100000">
+                  <a:schemeClr val="bg2">
+                    <a:lumMod val="75000"/>
+                  </a:schemeClr>
+                </a:gs>
+              </a:gsLst>
+              <a:lin ang="5400000" scaled="1"/>
+            </a:gradFill>
+          </a:ln>
+        </p:spPr>
+        <p:style>
+          <a:lnRef idx="2">
+            <a:schemeClr val="accent1">
+              <a:shade val="50000"/>
+            </a:schemeClr>
+          </a:lnRef>
+          <a:fillRef idx="1">
+            <a:schemeClr val="accent1"/>
+          </a:fillRef>
+          <a:effectRef idx="0">
+            <a:schemeClr val="accent1"/>
+          </a:effectRef>
+          <a:fontRef idx="minor">
+            <a:schemeClr val="lt1"/>
+          </a:fontRef>
+        </p:style>
+        <p:txBody>
+          <a:bodyPr wrap="square" rtlCol="0" anchor="ctr">
+            <a:noAutofit/>
+          </a:bodyPr>
+          <a:lstStyle/>
+          <a:p>
+            <a:pPr algn="ctr"/>
+            <a:endParaRPr lang="en-US"/>
+          </a:p>
+        </p:txBody>
+      </p:sp>
+      <p:pic>
+        <p:nvPicPr>
+          <p:cNvPr id="7" name="Graphic 6" descr="Hospital First Aid">
+            <a:extLst>
+              <a:ext uri="{FF2B5EF4-FFF2-40B4-BE49-F238E27FC236}">
+                <a16:creationId xmlns="" xmlns:a16="http://schemas.microsoft.com/office/drawing/2014/main" id="{E9398A55-4F3C-42F0-A4BB-85B40403F127}"/>
+              </a:ext>
+            </a:extLst>
+          </p:cNvPr>
+          <p:cNvPicPr>
+            <a:picLocks noChangeAspect="1"/>
+          </p:cNvPicPr>
+          <p:nvPr/>
+        </p:nvPicPr>
+        <p:blipFill>
+          <a:blip r:embed="rId3">
+            <a:extLst>
+              <a:ext uri="{28A0092B-C50C-407E-A947-70E740481C1C}">
+                <a14:useLocalDpi xmlns:a14="http://schemas.microsoft.com/office/drawing/2010/main" val="0"/>
+              </a:ext>
+              <a:ext uri="{96DAC541-7B7A-43D3-8B79-37D633B846F1}">
+                <asvg:svgBlip xmlns="" xmlns:asvg="http://schemas.microsoft.com/office/drawing/2016/SVG/main" r:embed="rId4"/>
               </a:ext>
             </a:extLst>
           </a:blip>
@@ -6045,7 +7214,7 @@
         </p:blipFill>
         <p:spPr>
           <a:xfrm>
-            <a:off x="278917" y="1615295"/>
+            <a:off x="275773" y="1615295"/>
             <a:ext cx="7314579" cy="5082869"/>
           </a:xfrm>
           <a:prstGeom prst="rect">
@@ -6057,84 +7226,6 @@
     <p:extLst>
       <p:ext uri="{BB962C8B-B14F-4D97-AF65-F5344CB8AC3E}">
         <p14:creationId xmlns:p14="http://schemas.microsoft.com/office/powerpoint/2010/main" val="1265223816"/>
-      </p:ext>
-    </p:extLst>
-  </p:cSld>
-  <p:clrMapOvr>
-    <a:masterClrMapping/>
-  </p:clrMapOvr>
-</p:sld>
-</file>
-
-<file path=ppt/slides/slide7.xml><?xml version="1.0" encoding="utf-8"?>
-<p:sld xmlns:a="http://schemas.openxmlformats.org/drawingml/2006/main" xmlns:r="http://schemas.openxmlformats.org/officeDocument/2006/relationships" xmlns:p="http://schemas.openxmlformats.org/presentationml/2006/main">
-  <p:cSld>
-    <p:spTree>
-      <p:nvGrpSpPr>
-        <p:cNvPr id="1" name=""/>
-        <p:cNvGrpSpPr/>
-        <p:nvPr/>
-      </p:nvGrpSpPr>
-      <p:grpSpPr>
-        <a:xfrm>
-          <a:off x="0" y="0"/>
-          <a:ext cx="0" cy="0"/>
-          <a:chOff x="0" y="0"/>
-          <a:chExt cx="0" cy="0"/>
-        </a:xfrm>
-      </p:grpSpPr>
-      <p:sp>
-        <p:nvSpPr>
-          <p:cNvPr id="2" name="Title 1"/>
-          <p:cNvSpPr>
-            <a:spLocks noGrp="1"/>
-          </p:cNvSpPr>
-          <p:nvPr>
-            <p:ph type="title"/>
-          </p:nvPr>
-        </p:nvSpPr>
-        <p:spPr/>
-        <p:txBody>
-          <a:bodyPr/>
-          <a:lstStyle/>
-          <a:p>
-            <a:endParaRPr lang="en-US"/>
-          </a:p>
-        </p:txBody>
-      </p:sp>
-      <p:pic>
-        <p:nvPicPr>
-          <p:cNvPr id="4" name="Content Placeholder 3"/>
-          <p:cNvPicPr>
-            <a:picLocks noGrp="1" noChangeAspect="1"/>
-          </p:cNvPicPr>
-          <p:nvPr>
-            <p:ph idx="1"/>
-          </p:nvPr>
-        </p:nvPicPr>
-        <p:blipFill>
-          <a:blip r:embed="rId2">
-            <a:extLst>
-              <a:ext uri="{28A0092B-C50C-407E-A947-70E740481C1C}">
-                <a14:useLocalDpi xmlns:a14="http://schemas.microsoft.com/office/drawing/2010/main" val="0"/>
-              </a:ext>
-            </a:extLst>
-          </a:blip>
-          <a:stretch>
-            <a:fillRect/>
-          </a:stretch>
-        </p:blipFill>
-        <p:spPr>
-          <a:xfrm>
-            <a:off x="715486" y="365125"/>
-            <a:ext cx="8171673" cy="4723710"/>
-          </a:xfrm>
-        </p:spPr>
-      </p:pic>
-    </p:spTree>
-    <p:extLst>
-      <p:ext uri="{BB962C8B-B14F-4D97-AF65-F5344CB8AC3E}">
-        <p14:creationId xmlns:p14="http://schemas.microsoft.com/office/powerpoint/2010/main" val="1562037030"/>
       </p:ext>
     </p:extLst>
   </p:cSld>
@@ -6667,6 +7758,12 @@
 </file>
 
 <file path=customXml/item1.xml><?xml version="1.0" encoding="utf-8"?>
+<p:properties xmlns:p="http://schemas.microsoft.com/office/2006/metadata/properties" xmlns:xsi="http://www.w3.org/2001/XMLSchema-instance" xmlns:pc="http://schemas.microsoft.com/office/infopath/2007/PartnerControls">
+  <documentManagement/>
+</p:properties>
+</file>
+
+<file path=customXml/item2.xml><?xml version="1.0" encoding="utf-8"?>
 <ct:contentTypeSchema xmlns:ct="http://schemas.microsoft.com/office/2006/metadata/contentType" xmlns:ma="http://schemas.microsoft.com/office/2006/metadata/properties/metaAttributes" ct:_="" ma:_="" ma:contentTypeName="Document" ma:contentTypeID="0x0101001CACDBDD725AA447A8C5D817843AB770" ma:contentTypeVersion="6" ma:contentTypeDescription="Create a new document." ma:contentTypeScope="" ma:versionID="2448d46640ab2c5029cf95a50ac7f297">
   <xsd:schema xmlns:xsd="http://www.w3.org/2001/XMLSchema" xmlns:xs="http://www.w3.org/2001/XMLSchema" xmlns:p="http://schemas.microsoft.com/office/2006/metadata/properties" xmlns:ns2="8c202558-d602-4127-aef0-06e9c002c9f7" targetNamespace="http://schemas.microsoft.com/office/2006/metadata/properties" ma:root="true" ma:fieldsID="2ae75261ffb7d32ac344732b09ac7516" ns2:_="">
     <xsd:import namespace="8c202558-d602-4127-aef0-06e9c002c9f7"/>
@@ -6824,7 +7921,7 @@
 </ct:contentTypeSchema>
 </file>
 
-<file path=customXml/item2.xml><?xml version="1.0" encoding="utf-8"?>
+<file path=customXml/item3.xml><?xml version="1.0" encoding="utf-8"?>
 <?mso-contentType ?>
 <FormTemplates xmlns="http://schemas.microsoft.com/sharepoint/v3/contenttype/forms">
   <Display>DocumentLibraryForm</Display>
@@ -6833,20 +7930,37 @@
 </FormTemplates>
 </file>
 
-<file path=customXml/item3.xml><?xml version="1.0" encoding="utf-8"?>
-<p:properties xmlns:p="http://schemas.microsoft.com/office/2006/metadata/properties" xmlns:xsi="http://www.w3.org/2001/XMLSchema-instance" xmlns:pc="http://schemas.microsoft.com/office/infopath/2007/PartnerControls">
-  <documentManagement/>
-</p:properties>
-</file>
-
 <file path=customXml/itemProps1.xml><?xml version="1.0" encoding="utf-8"?>
-<ds:datastoreItem xmlns:ds="http://schemas.openxmlformats.org/officeDocument/2006/customXml" ds:itemID="{6F18F2AC-6519-4E6C-8DDF-8CAB517D56B3}"/>
+<ds:datastoreItem xmlns:ds="http://schemas.openxmlformats.org/officeDocument/2006/customXml" ds:itemID="{7FE47EE4-31B8-41B6-A10A-D301EE92B900}">
+  <ds:schemaRefs>
+    <ds:schemaRef ds:uri="http://schemas.microsoft.com/office/2006/metadata/properties"/>
+    <ds:schemaRef ds:uri="http://schemas.microsoft.com/office/infopath/2007/PartnerControls"/>
+  </ds:schemaRefs>
+</ds:datastoreItem>
 </file>
 
 <file path=customXml/itemProps2.xml><?xml version="1.0" encoding="utf-8"?>
-<ds:datastoreItem xmlns:ds="http://schemas.openxmlformats.org/officeDocument/2006/customXml" ds:itemID="{66446243-8EE7-498F-91A5-3B7B956A3A4E}"/>
+<ds:datastoreItem xmlns:ds="http://schemas.openxmlformats.org/officeDocument/2006/customXml" ds:itemID="{6F18F2AC-6519-4E6C-8DDF-8CAB517D56B3}">
+  <ds:schemaRefs>
+    <ds:schemaRef ds:uri="http://schemas.microsoft.com/office/2006/metadata/contentType"/>
+    <ds:schemaRef ds:uri="http://schemas.microsoft.com/office/2006/metadata/properties/metaAttributes"/>
+    <ds:schemaRef ds:uri="http://www.w3.org/2001/XMLSchema"/>
+    <ds:schemaRef ds:uri="http://schemas.microsoft.com/office/2006/metadata/properties"/>
+    <ds:schemaRef ds:uri="8c202558-d602-4127-aef0-06e9c002c9f7"/>
+    <ds:schemaRef ds:uri="http://schemas.microsoft.com/office/2006/documentManagement/types"/>
+    <ds:schemaRef ds:uri="http://schemas.microsoft.com/office/infopath/2007/PartnerControls"/>
+    <ds:schemaRef ds:uri="http://schemas.openxmlformats.org/package/2006/metadata/core-properties"/>
+    <ds:schemaRef ds:uri="http://purl.org/dc/elements/1.1/"/>
+    <ds:schemaRef ds:uri="http://purl.org/dc/terms/"/>
+    <ds:schemaRef ds:uri="http://schemas.microsoft.com/internal/obd"/>
+  </ds:schemaRefs>
+</ds:datastoreItem>
 </file>
 
 <file path=customXml/itemProps3.xml><?xml version="1.0" encoding="utf-8"?>
-<ds:datastoreItem xmlns:ds="http://schemas.openxmlformats.org/officeDocument/2006/customXml" ds:itemID="{7FE47EE4-31B8-41B6-A10A-D301EE92B900}"/>
+<ds:datastoreItem xmlns:ds="http://schemas.openxmlformats.org/officeDocument/2006/customXml" ds:itemID="{66446243-8EE7-498F-91A5-3B7B956A3A4E}">
+  <ds:schemaRefs>
+    <ds:schemaRef ds:uri="http://schemas.microsoft.com/sharepoint/v3/contenttype/forms"/>
+  </ds:schemaRefs>
+</ds:datastoreItem>
 </file>